--- a/docs/proposals/images/lifecycle-hooks/lifecycle-hooks.pptx
+++ b/docs/proposals/images/lifecycle-hooks/lifecycle-hooks.pptx
@@ -891,7 +891,7 @@
   <p:cSld>
     <p:spTree>
       <p:nvGrpSpPr>
-        <p:cNvPr id="163" name="Shape 163"/>
+        <p:cNvPr id="160" name="Shape 160"/>
         <p:cNvGrpSpPr/>
         <p:nvPr/>
       </p:nvGrpSpPr>
@@ -905,7 +905,7 @@
       </p:grpSpPr>
       <p:sp>
         <p:nvSpPr>
-          <p:cNvPr id="164" name="Google Shape;164;g35729402b55_0_2:notes"/>
+          <p:cNvPr id="161" name="Google Shape;161;g35729402b55_0_2:notes"/>
           <p:cNvSpPr/>
           <p:nvPr>
             <p:ph idx="2" type="sldImg"/>
@@ -940,7 +940,7 @@
       </p:sp>
       <p:sp>
         <p:nvSpPr>
-          <p:cNvPr id="165" name="Google Shape;165;g35729402b55_0_2:notes"/>
+          <p:cNvPr id="162" name="Google Shape;162;g35729402b55_0_2:notes"/>
           <p:cNvSpPr txBox="1"/>
           <p:nvPr>
             <p:ph idx="1" type="body"/>
@@ -11009,204 +11009,6 @@
         </p:nvSpPr>
         <p:spPr>
           <a:xfrm>
-            <a:off x="4349813" y="3983639"/>
-            <a:ext cx="777000" cy="285900"/>
-          </a:xfrm>
-          <a:prstGeom prst="rect">
-            <a:avLst/>
-          </a:prstGeom>
-          <a:noFill/>
-          <a:ln>
-            <a:noFill/>
-          </a:ln>
-        </p:spPr>
-        <p:txBody>
-          <a:bodyPr anchorCtr="0" anchor="t" bIns="91425" lIns="91425" spcFirstLastPara="1" rIns="91425" wrap="square" tIns="91425">
-            <a:noAutofit/>
-          </a:bodyPr>
-          <a:lstStyle/>
-          <a:p>
-            <a:pPr indent="0" lvl="0" marL="0" rtl="0" algn="ctr">
-              <a:spcBef>
-                <a:spcPts val="0"/>
-              </a:spcBef>
-              <a:spcAft>
-                <a:spcPts val="0"/>
-              </a:spcAft>
-              <a:buNone/>
-            </a:pPr>
-            <a:r>
-              <a:rPr lang="en" sz="800">
-                <a:solidFill>
-                  <a:schemeClr val="dk2"/>
-                </a:solidFill>
-              </a:rPr>
-              <a:t>(</a:t>
-            </a:r>
-            <a:r>
-              <a:rPr lang="en" sz="800">
-                <a:solidFill>
-                  <a:schemeClr val="dk2"/>
-                </a:solidFill>
-              </a:rPr>
-              <a:t>same</a:t>
-            </a:r>
-            <a:r>
-              <a:rPr lang="en" sz="800">
-                <a:solidFill>
-                  <a:schemeClr val="dk2"/>
-                </a:solidFill>
-              </a:rPr>
-              <a:t>)</a:t>
-            </a:r>
-            <a:endParaRPr sz="800">
-              <a:solidFill>
-                <a:schemeClr val="dk2"/>
-              </a:solidFill>
-            </a:endParaRPr>
-          </a:p>
-        </p:txBody>
-      </p:sp>
-      <p:sp>
-        <p:nvSpPr>
-          <p:cNvPr id="159" name="Google Shape;159;p14"/>
-          <p:cNvSpPr txBox="1"/>
-          <p:nvPr/>
-        </p:nvSpPr>
-        <p:spPr>
-          <a:xfrm>
-            <a:off x="6138038" y="3983639"/>
-            <a:ext cx="777000" cy="285900"/>
-          </a:xfrm>
-          <a:prstGeom prst="rect">
-            <a:avLst/>
-          </a:prstGeom>
-          <a:noFill/>
-          <a:ln>
-            <a:noFill/>
-          </a:ln>
-        </p:spPr>
-        <p:txBody>
-          <a:bodyPr anchorCtr="0" anchor="t" bIns="91425" lIns="91425" spcFirstLastPara="1" rIns="91425" wrap="square" tIns="91425">
-            <a:noAutofit/>
-          </a:bodyPr>
-          <a:lstStyle/>
-          <a:p>
-            <a:pPr indent="0" lvl="0" marL="0" rtl="0" algn="ctr">
-              <a:spcBef>
-                <a:spcPts val="0"/>
-              </a:spcBef>
-              <a:spcAft>
-                <a:spcPts val="0"/>
-              </a:spcAft>
-              <a:buNone/>
-            </a:pPr>
-            <a:r>
-              <a:rPr lang="en" sz="800">
-                <a:solidFill>
-                  <a:schemeClr val="dk2"/>
-                </a:solidFill>
-              </a:rPr>
-              <a:t>(</a:t>
-            </a:r>
-            <a:r>
-              <a:rPr lang="en" sz="800">
-                <a:solidFill>
-                  <a:schemeClr val="dk2"/>
-                </a:solidFill>
-              </a:rPr>
-              <a:t>same</a:t>
-            </a:r>
-            <a:r>
-              <a:rPr lang="en" sz="800">
-                <a:solidFill>
-                  <a:schemeClr val="dk2"/>
-                </a:solidFill>
-              </a:rPr>
-              <a:t>)</a:t>
-            </a:r>
-            <a:endParaRPr sz="800">
-              <a:solidFill>
-                <a:schemeClr val="dk2"/>
-              </a:solidFill>
-            </a:endParaRPr>
-          </a:p>
-        </p:txBody>
-      </p:sp>
-      <p:sp>
-        <p:nvSpPr>
-          <p:cNvPr id="160" name="Google Shape;160;p14"/>
-          <p:cNvSpPr txBox="1"/>
-          <p:nvPr/>
-        </p:nvSpPr>
-        <p:spPr>
-          <a:xfrm>
-            <a:off x="7111788" y="3983639"/>
-            <a:ext cx="777000" cy="285900"/>
-          </a:xfrm>
-          <a:prstGeom prst="rect">
-            <a:avLst/>
-          </a:prstGeom>
-          <a:noFill/>
-          <a:ln>
-            <a:noFill/>
-          </a:ln>
-        </p:spPr>
-        <p:txBody>
-          <a:bodyPr anchorCtr="0" anchor="t" bIns="91425" lIns="91425" spcFirstLastPara="1" rIns="91425" wrap="square" tIns="91425">
-            <a:noAutofit/>
-          </a:bodyPr>
-          <a:lstStyle/>
-          <a:p>
-            <a:pPr indent="0" lvl="0" marL="0" rtl="0" algn="ctr">
-              <a:spcBef>
-                <a:spcPts val="0"/>
-              </a:spcBef>
-              <a:spcAft>
-                <a:spcPts val="0"/>
-              </a:spcAft>
-              <a:buNone/>
-            </a:pPr>
-            <a:r>
-              <a:rPr lang="en" sz="800">
-                <a:solidFill>
-                  <a:schemeClr val="dk2"/>
-                </a:solidFill>
-              </a:rPr>
-              <a:t>(</a:t>
-            </a:r>
-            <a:r>
-              <a:rPr lang="en" sz="800">
-                <a:solidFill>
-                  <a:schemeClr val="dk2"/>
-                </a:solidFill>
-              </a:rPr>
-              <a:t>same</a:t>
-            </a:r>
-            <a:r>
-              <a:rPr lang="en" sz="800">
-                <a:solidFill>
-                  <a:schemeClr val="dk2"/>
-                </a:solidFill>
-              </a:rPr>
-              <a:t>)</a:t>
-            </a:r>
-            <a:endParaRPr sz="800">
-              <a:solidFill>
-                <a:schemeClr val="dk2"/>
-              </a:solidFill>
-            </a:endParaRPr>
-          </a:p>
-        </p:txBody>
-      </p:sp>
-      <p:sp>
-        <p:nvSpPr>
-          <p:cNvPr id="161" name="Google Shape;161;p14"/>
-          <p:cNvSpPr txBox="1"/>
-          <p:nvPr/>
-        </p:nvSpPr>
-        <p:spPr>
-          <a:xfrm>
             <a:off x="793591" y="3057176"/>
             <a:ext cx="906600" cy="738900"/>
           </a:xfrm>
@@ -11299,7 +11101,7 @@
       </p:sp>
       <p:sp>
         <p:nvSpPr>
-          <p:cNvPr id="162" name="Google Shape;162;p14"/>
+          <p:cNvPr id="159" name="Google Shape;159;p14"/>
           <p:cNvSpPr txBox="1"/>
           <p:nvPr/>
         </p:nvSpPr>
@@ -11408,7 +11210,7 @@
   <p:cSld>
     <p:spTree>
       <p:nvGrpSpPr>
-        <p:cNvPr id="166" name="Shape 166"/>
+        <p:cNvPr id="163" name="Shape 163"/>
         <p:cNvGrpSpPr/>
         <p:nvPr/>
       </p:nvGrpSpPr>
@@ -11422,7 +11224,7 @@
       </p:grpSpPr>
       <p:sp>
         <p:nvSpPr>
-          <p:cNvPr id="167" name="Google Shape;167;p15"/>
+          <p:cNvPr id="164" name="Google Shape;164;p15"/>
           <p:cNvSpPr/>
           <p:nvPr/>
         </p:nvSpPr>
@@ -11465,7 +11267,7 @@
       </p:sp>
       <p:cxnSp>
         <p:nvCxnSpPr>
-          <p:cNvPr id="168" name="Google Shape;168;p15"/>
+          <p:cNvPr id="165" name="Google Shape;165;p15"/>
           <p:cNvCxnSpPr/>
           <p:nvPr/>
         </p:nvCxnSpPr>
@@ -11491,7 +11293,7 @@
       </p:cxnSp>
       <p:sp>
         <p:nvSpPr>
-          <p:cNvPr id="169" name="Google Shape;169;p15"/>
+          <p:cNvPr id="166" name="Google Shape;166;p15"/>
           <p:cNvSpPr txBox="1"/>
           <p:nvPr/>
         </p:nvSpPr>
@@ -11560,6 +11362,261 @@
                 </a:solidFill>
               </a:rPr>
               <a:t>Cluster</a:t>
+            </a:r>
+            <a:endParaRPr sz="900">
+              <a:solidFill>
+                <a:schemeClr val="dk2"/>
+              </a:solidFill>
+            </a:endParaRPr>
+          </a:p>
+        </p:txBody>
+      </p:sp>
+      <p:sp>
+        <p:nvSpPr>
+          <p:cNvPr id="167" name="Google Shape;167;p15"/>
+          <p:cNvSpPr txBox="1"/>
+          <p:nvPr/>
+        </p:nvSpPr>
+        <p:spPr>
+          <a:xfrm>
+            <a:off x="2180511" y="3057878"/>
+            <a:ext cx="777000" cy="476700"/>
+          </a:xfrm>
+          <a:prstGeom prst="rect">
+            <a:avLst/>
+          </a:prstGeom>
+          <a:noFill/>
+          <a:ln>
+            <a:noFill/>
+          </a:ln>
+        </p:spPr>
+        <p:txBody>
+          <a:bodyPr anchorCtr="0" anchor="t" bIns="91425" lIns="91425" spcFirstLastPara="1" rIns="91425" wrap="square" tIns="91425">
+            <a:noAutofit/>
+          </a:bodyPr>
+          <a:lstStyle/>
+          <a:p>
+            <a:pPr indent="0" lvl="0" marL="0" rtl="0" algn="ctr">
+              <a:spcBef>
+                <a:spcPts val="0"/>
+              </a:spcBef>
+              <a:spcAft>
+                <a:spcPts val="0"/>
+              </a:spcAft>
+              <a:buNone/>
+            </a:pPr>
+            <a:r>
+              <a:rPr lang="en" sz="900">
+                <a:solidFill>
+                  <a:schemeClr val="dk2"/>
+                </a:solidFill>
+              </a:rPr>
+              <a:t>Before</a:t>
+            </a:r>
+            <a:br>
+              <a:rPr lang="en" sz="900">
+                <a:solidFill>
+                  <a:schemeClr val="dk2"/>
+                </a:solidFill>
+              </a:rPr>
+            </a:br>
+            <a:r>
+              <a:rPr lang="en" sz="900">
+                <a:solidFill>
+                  <a:schemeClr val="dk2"/>
+                </a:solidFill>
+              </a:rPr>
+              <a:t>Cluster</a:t>
+            </a:r>
+            <a:br>
+              <a:rPr lang="en" sz="900">
+                <a:solidFill>
+                  <a:schemeClr val="dk2"/>
+                </a:solidFill>
+              </a:rPr>
+            </a:br>
+            <a:r>
+              <a:rPr lang="en" sz="900">
+                <a:solidFill>
+                  <a:schemeClr val="dk2"/>
+                </a:solidFill>
+              </a:rPr>
+              <a:t>Upgrade</a:t>
+            </a:r>
+            <a:endParaRPr sz="900">
+              <a:solidFill>
+                <a:schemeClr val="dk2"/>
+              </a:solidFill>
+            </a:endParaRPr>
+          </a:p>
+        </p:txBody>
+      </p:sp>
+      <p:sp>
+        <p:nvSpPr>
+          <p:cNvPr id="168" name="Google Shape;168;p15"/>
+          <p:cNvSpPr txBox="1"/>
+          <p:nvPr/>
+        </p:nvSpPr>
+        <p:spPr>
+          <a:xfrm>
+            <a:off x="3462422" y="3057878"/>
+            <a:ext cx="777000" cy="476700"/>
+          </a:xfrm>
+          <a:prstGeom prst="rect">
+            <a:avLst/>
+          </a:prstGeom>
+          <a:noFill/>
+          <a:ln>
+            <a:noFill/>
+          </a:ln>
+        </p:spPr>
+        <p:txBody>
+          <a:bodyPr anchorCtr="0" anchor="t" bIns="91425" lIns="91425" spcFirstLastPara="1" rIns="91425" wrap="square" tIns="91425">
+            <a:noAutofit/>
+          </a:bodyPr>
+          <a:lstStyle/>
+          <a:p>
+            <a:pPr indent="0" lvl="0" marL="0" rtl="0" algn="ctr">
+              <a:spcBef>
+                <a:spcPts val="0"/>
+              </a:spcBef>
+              <a:spcAft>
+                <a:spcPts val="0"/>
+              </a:spcAft>
+              <a:buNone/>
+            </a:pPr>
+            <a:r>
+              <a:rPr lang="en" sz="900">
+                <a:solidFill>
+                  <a:schemeClr val="dk2"/>
+                </a:solidFill>
+              </a:rPr>
+              <a:t>After</a:t>
+            </a:r>
+            <a:br>
+              <a:rPr lang="en" sz="900">
+                <a:solidFill>
+                  <a:schemeClr val="dk2"/>
+                </a:solidFill>
+              </a:rPr>
+            </a:br>
+            <a:r>
+              <a:rPr lang="en" sz="900">
+                <a:solidFill>
+                  <a:schemeClr val="dk2"/>
+                </a:solidFill>
+              </a:rPr>
+              <a:t>Control</a:t>
+            </a:r>
+            <a:br>
+              <a:rPr lang="en" sz="900">
+                <a:solidFill>
+                  <a:schemeClr val="dk2"/>
+                </a:solidFill>
+              </a:rPr>
+            </a:br>
+            <a:r>
+              <a:rPr lang="en" sz="900">
+                <a:solidFill>
+                  <a:schemeClr val="dk2"/>
+                </a:solidFill>
+              </a:rPr>
+              <a:t>Plane</a:t>
+            </a:r>
+            <a:br>
+              <a:rPr lang="en" sz="900">
+                <a:solidFill>
+                  <a:schemeClr val="dk2"/>
+                </a:solidFill>
+              </a:rPr>
+            </a:br>
+            <a:r>
+              <a:rPr lang="en" sz="900">
+                <a:solidFill>
+                  <a:schemeClr val="dk2"/>
+                </a:solidFill>
+              </a:rPr>
+              <a:t>Upgrade</a:t>
+            </a:r>
+            <a:endParaRPr sz="900">
+              <a:solidFill>
+                <a:schemeClr val="dk2"/>
+              </a:solidFill>
+            </a:endParaRPr>
+          </a:p>
+        </p:txBody>
+      </p:sp>
+      <p:sp>
+        <p:nvSpPr>
+          <p:cNvPr id="169" name="Google Shape;169;p15"/>
+          <p:cNvSpPr txBox="1"/>
+          <p:nvPr/>
+        </p:nvSpPr>
+        <p:spPr>
+          <a:xfrm>
+            <a:off x="7525986" y="3057878"/>
+            <a:ext cx="777000" cy="476700"/>
+          </a:xfrm>
+          <a:prstGeom prst="rect">
+            <a:avLst/>
+          </a:prstGeom>
+          <a:noFill/>
+          <a:ln>
+            <a:noFill/>
+          </a:ln>
+        </p:spPr>
+        <p:txBody>
+          <a:bodyPr anchorCtr="0" anchor="t" bIns="91425" lIns="91425" spcFirstLastPara="1" rIns="91425" wrap="square" tIns="91425">
+            <a:noAutofit/>
+          </a:bodyPr>
+          <a:lstStyle/>
+          <a:p>
+            <a:pPr indent="0" lvl="0" marL="0" rtl="0" algn="ctr">
+              <a:spcBef>
+                <a:spcPts val="0"/>
+              </a:spcBef>
+              <a:spcAft>
+                <a:spcPts val="0"/>
+              </a:spcAft>
+              <a:buNone/>
+            </a:pPr>
+            <a:r>
+              <a:rPr lang="en" sz="900">
+                <a:solidFill>
+                  <a:schemeClr val="dk2"/>
+                </a:solidFill>
+              </a:rPr>
+              <a:t>After</a:t>
+            </a:r>
+            <a:br>
+              <a:rPr lang="en" sz="900">
+                <a:solidFill>
+                  <a:schemeClr val="dk2"/>
+                </a:solidFill>
+              </a:rPr>
+            </a:br>
+            <a:r>
+              <a:rPr lang="en" sz="900">
+                <a:solidFill>
+                  <a:schemeClr val="dk2"/>
+                </a:solidFill>
+              </a:rPr>
+              <a:t>Cluster</a:t>
+            </a:r>
+            <a:br>
+              <a:rPr lang="en" sz="900">
+                <a:solidFill>
+                  <a:schemeClr val="dk2"/>
+                </a:solidFill>
+              </a:rPr>
+            </a:br>
+            <a:r>
+              <a:rPr lang="en" sz="900">
+                <a:solidFill>
+                  <a:schemeClr val="dk2"/>
+                </a:solidFill>
+              </a:rPr>
+              <a:t>Upgrade</a:t>
             </a:r>
             <a:endParaRPr sz="900">
               <a:solidFill>
@@ -11577,8 +11634,8 @@
         </p:nvSpPr>
         <p:spPr>
           <a:xfrm>
-            <a:off x="2180511" y="3057878"/>
-            <a:ext cx="777000" cy="476700"/>
+            <a:off x="2676313" y="3057878"/>
+            <a:ext cx="1086900" cy="476700"/>
           </a:xfrm>
           <a:prstGeom prst="rect">
             <a:avLst/>
@@ -11624,7 +11681,31 @@
                   <a:schemeClr val="dk2"/>
                 </a:solidFill>
               </a:rPr>
-              <a:t>Cluster</a:t>
+              <a:t>Control </a:t>
+            </a:r>
+            <a:endParaRPr sz="900">
+              <a:solidFill>
+                <a:schemeClr val="dk2"/>
+              </a:solidFill>
+            </a:endParaRPr>
+          </a:p>
+          <a:p>
+            <a:pPr indent="0" lvl="0" marL="0" rtl="0" algn="ctr">
+              <a:spcBef>
+                <a:spcPts val="0"/>
+              </a:spcBef>
+              <a:spcAft>
+                <a:spcPts val="0"/>
+              </a:spcAft>
+              <a:buNone/>
+            </a:pPr>
+            <a:r>
+              <a:rPr lang="en" sz="900">
+                <a:solidFill>
+                  <a:schemeClr val="dk2"/>
+                </a:solidFill>
+              </a:rPr>
+              <a:t>Plane</a:t>
             </a:r>
             <a:br>
               <a:rPr lang="en" sz="900">
@@ -11652,24 +11733,26 @@
       <p:sp>
         <p:nvSpPr>
           <p:cNvPr id="171" name="Google Shape;171;p15"/>
-          <p:cNvSpPr txBox="1"/>
+          <p:cNvSpPr/>
           <p:nvPr/>
         </p:nvSpPr>
         <p:spPr>
           <a:xfrm>
-            <a:off x="3462422" y="3057878"/>
-            <a:ext cx="777000" cy="476700"/>
+            <a:off x="3238013" y="2449805"/>
+            <a:ext cx="612900" cy="285900"/>
           </a:xfrm>
           <a:prstGeom prst="rect">
             <a:avLst/>
           </a:prstGeom>
-          <a:noFill/>
+          <a:solidFill>
+            <a:srgbClr val="B4A7D6"/>
+          </a:solidFill>
           <a:ln>
             <a:noFill/>
           </a:ln>
         </p:spPr>
         <p:txBody>
-          <a:bodyPr anchorCtr="0" anchor="t" bIns="91425" lIns="91425" spcFirstLastPara="1" rIns="91425" wrap="square" tIns="91425">
+          <a:bodyPr anchorCtr="0" anchor="ctr" bIns="91425" lIns="91425" spcFirstLastPara="1" rIns="91425" wrap="square" tIns="91425">
             <a:noAutofit/>
           </a:bodyPr>
           <a:lstStyle/>
@@ -11684,12 +11767,384 @@
               <a:buNone/>
             </a:pPr>
             <a:r>
-              <a:rPr lang="en" sz="900">
-                <a:solidFill>
-                  <a:schemeClr val="dk2"/>
-                </a:solidFill>
-              </a:rPr>
-              <a:t>After</a:t>
+              <a:t/>
+            </a:r>
+            <a:endParaRPr/>
+          </a:p>
+        </p:txBody>
+      </p:sp>
+      <p:sp>
+        <p:nvSpPr>
+          <p:cNvPr id="172" name="Google Shape;172;p15"/>
+          <p:cNvSpPr/>
+          <p:nvPr/>
+        </p:nvSpPr>
+        <p:spPr>
+          <a:xfrm>
+            <a:off x="4191388" y="2449805"/>
+            <a:ext cx="612900" cy="285900"/>
+          </a:xfrm>
+          <a:prstGeom prst="rect">
+            <a:avLst/>
+          </a:prstGeom>
+          <a:solidFill>
+            <a:srgbClr val="B4A7D6"/>
+          </a:solidFill>
+          <a:ln>
+            <a:noFill/>
+          </a:ln>
+        </p:spPr>
+        <p:txBody>
+          <a:bodyPr anchorCtr="0" anchor="ctr" bIns="91425" lIns="91425" spcFirstLastPara="1" rIns="91425" wrap="square" tIns="91425">
+            <a:noAutofit/>
+          </a:bodyPr>
+          <a:lstStyle/>
+          <a:p>
+            <a:pPr indent="0" lvl="0" marL="0" rtl="0" algn="ctr">
+              <a:spcBef>
+                <a:spcPts val="0"/>
+              </a:spcBef>
+              <a:spcAft>
+                <a:spcPts val="0"/>
+              </a:spcAft>
+              <a:buNone/>
+            </a:pPr>
+            <a:r>
+              <a:t/>
+            </a:r>
+            <a:endParaRPr/>
+          </a:p>
+        </p:txBody>
+      </p:sp>
+      <p:sp>
+        <p:nvSpPr>
+          <p:cNvPr id="173" name="Google Shape;173;p15"/>
+          <p:cNvSpPr/>
+          <p:nvPr/>
+        </p:nvSpPr>
+        <p:spPr>
+          <a:xfrm>
+            <a:off x="5119325" y="2449805"/>
+            <a:ext cx="612900" cy="285900"/>
+          </a:xfrm>
+          <a:prstGeom prst="rect">
+            <a:avLst/>
+          </a:prstGeom>
+          <a:solidFill>
+            <a:srgbClr val="F4CCCC"/>
+          </a:solidFill>
+          <a:ln>
+            <a:noFill/>
+          </a:ln>
+        </p:spPr>
+        <p:txBody>
+          <a:bodyPr anchorCtr="0" anchor="ctr" bIns="91425" lIns="91425" spcFirstLastPara="1" rIns="91425" wrap="square" tIns="91425">
+            <a:noAutofit/>
+          </a:bodyPr>
+          <a:lstStyle/>
+          <a:p>
+            <a:pPr indent="0" lvl="0" marL="0" marR="0" rtl="0" algn="ctr">
+              <a:lnSpc>
+                <a:spcPct val="100000"/>
+              </a:lnSpc>
+              <a:spcBef>
+                <a:spcPts val="0"/>
+              </a:spcBef>
+              <a:spcAft>
+                <a:spcPts val="0"/>
+              </a:spcAft>
+              <a:buNone/>
+            </a:pPr>
+            <a:r>
+              <a:t/>
+            </a:r>
+            <a:endParaRPr/>
+          </a:p>
+        </p:txBody>
+      </p:sp>
+      <p:sp>
+        <p:nvSpPr>
+          <p:cNvPr id="174" name="Google Shape;174;p15"/>
+          <p:cNvSpPr/>
+          <p:nvPr/>
+        </p:nvSpPr>
+        <p:spPr>
+          <a:xfrm>
+            <a:off x="5966913" y="2449805"/>
+            <a:ext cx="612900" cy="285900"/>
+          </a:xfrm>
+          <a:prstGeom prst="rect">
+            <a:avLst/>
+          </a:prstGeom>
+          <a:solidFill>
+            <a:srgbClr val="B4A7D6"/>
+          </a:solidFill>
+          <a:ln>
+            <a:noFill/>
+          </a:ln>
+        </p:spPr>
+        <p:txBody>
+          <a:bodyPr anchorCtr="0" anchor="ctr" bIns="91425" lIns="91425" spcFirstLastPara="1" rIns="91425" wrap="square" tIns="91425">
+            <a:noAutofit/>
+          </a:bodyPr>
+          <a:lstStyle/>
+          <a:p>
+            <a:pPr indent="0" lvl="0" marL="0" rtl="0" algn="ctr">
+              <a:spcBef>
+                <a:spcPts val="0"/>
+              </a:spcBef>
+              <a:spcAft>
+                <a:spcPts val="0"/>
+              </a:spcAft>
+              <a:buNone/>
+            </a:pPr>
+            <a:r>
+              <a:t/>
+            </a:r>
+            <a:endParaRPr/>
+          </a:p>
+        </p:txBody>
+      </p:sp>
+      <p:sp>
+        <p:nvSpPr>
+          <p:cNvPr id="175" name="Google Shape;175;p15"/>
+          <p:cNvSpPr/>
+          <p:nvPr/>
+        </p:nvSpPr>
+        <p:spPr>
+          <a:xfrm>
+            <a:off x="6940588" y="2449805"/>
+            <a:ext cx="612900" cy="285900"/>
+          </a:xfrm>
+          <a:prstGeom prst="rect">
+            <a:avLst/>
+          </a:prstGeom>
+          <a:solidFill>
+            <a:srgbClr val="F4CCCC"/>
+          </a:solidFill>
+          <a:ln>
+            <a:noFill/>
+          </a:ln>
+        </p:spPr>
+        <p:txBody>
+          <a:bodyPr anchorCtr="0" anchor="ctr" bIns="91425" lIns="91425" spcFirstLastPara="1" rIns="91425" wrap="square" tIns="91425">
+            <a:noAutofit/>
+          </a:bodyPr>
+          <a:lstStyle/>
+          <a:p>
+            <a:pPr indent="0" lvl="0" marL="0" rtl="0" algn="ctr">
+              <a:spcBef>
+                <a:spcPts val="0"/>
+              </a:spcBef>
+              <a:spcAft>
+                <a:spcPts val="0"/>
+              </a:spcAft>
+              <a:buNone/>
+            </a:pPr>
+            <a:r>
+              <a:t/>
+            </a:r>
+            <a:endParaRPr/>
+          </a:p>
+        </p:txBody>
+      </p:sp>
+      <p:cxnSp>
+        <p:nvCxnSpPr>
+          <p:cNvPr id="176" name="Google Shape;176;p15"/>
+          <p:cNvCxnSpPr/>
+          <p:nvPr/>
+        </p:nvCxnSpPr>
+        <p:spPr>
+          <a:xfrm>
+            <a:off x="588186" y="2592838"/>
+            <a:ext cx="8015400" cy="0"/>
+          </a:xfrm>
+          <a:prstGeom prst="straightConnector1">
+            <a:avLst/>
+          </a:prstGeom>
+          <a:noFill/>
+          <a:ln cap="flat" cmpd="sng" w="38100">
+            <a:solidFill>
+              <a:srgbClr val="1155CC"/>
+            </a:solidFill>
+            <a:prstDash val="solid"/>
+            <a:round/>
+            <a:headEnd len="med" w="med" type="none"/>
+            <a:tailEnd len="med" w="med" type="triangle"/>
+          </a:ln>
+        </p:spPr>
+      </p:cxnSp>
+      <p:cxnSp>
+        <p:nvCxnSpPr>
+          <p:cNvPr id="177" name="Google Shape;177;p15"/>
+          <p:cNvCxnSpPr/>
+          <p:nvPr/>
+        </p:nvCxnSpPr>
+        <p:spPr>
+          <a:xfrm>
+            <a:off x="2568939" y="2468984"/>
+            <a:ext cx="0" cy="588900"/>
+          </a:xfrm>
+          <a:prstGeom prst="straightConnector1">
+            <a:avLst/>
+          </a:prstGeom>
+          <a:noFill/>
+          <a:ln cap="flat" cmpd="sng" w="28575">
+            <a:solidFill>
+              <a:srgbClr val="6AA84F"/>
+            </a:solidFill>
+            <a:prstDash val="solid"/>
+            <a:round/>
+            <a:headEnd len="med" w="med" type="none"/>
+            <a:tailEnd len="med" w="med" type="triangle"/>
+          </a:ln>
+        </p:spPr>
+      </p:cxnSp>
+      <p:cxnSp>
+        <p:nvCxnSpPr>
+          <p:cNvPr id="178" name="Google Shape;178;p15"/>
+          <p:cNvCxnSpPr/>
+          <p:nvPr/>
+        </p:nvCxnSpPr>
+        <p:spPr>
+          <a:xfrm>
+            <a:off x="3850900" y="2468984"/>
+            <a:ext cx="0" cy="588900"/>
+          </a:xfrm>
+          <a:prstGeom prst="straightConnector1">
+            <a:avLst/>
+          </a:prstGeom>
+          <a:noFill/>
+          <a:ln cap="flat" cmpd="sng" w="28575">
+            <a:solidFill>
+              <a:srgbClr val="8E7CC3"/>
+            </a:solidFill>
+            <a:prstDash val="solid"/>
+            <a:round/>
+            <a:headEnd len="med" w="med" type="none"/>
+            <a:tailEnd len="med" w="med" type="triangle"/>
+          </a:ln>
+        </p:spPr>
+      </p:cxnSp>
+      <p:cxnSp>
+        <p:nvCxnSpPr>
+          <p:cNvPr id="179" name="Google Shape;179;p15"/>
+          <p:cNvCxnSpPr/>
+          <p:nvPr/>
+        </p:nvCxnSpPr>
+        <p:spPr>
+          <a:xfrm>
+            <a:off x="7914414" y="2468984"/>
+            <a:ext cx="0" cy="588900"/>
+          </a:xfrm>
+          <a:prstGeom prst="straightConnector1">
+            <a:avLst/>
+          </a:prstGeom>
+          <a:noFill/>
+          <a:ln cap="flat" cmpd="sng" w="28575">
+            <a:solidFill>
+              <a:srgbClr val="6AA84F"/>
+            </a:solidFill>
+            <a:prstDash val="solid"/>
+            <a:round/>
+            <a:headEnd len="med" w="med" type="none"/>
+            <a:tailEnd len="med" w="med" type="triangle"/>
+          </a:ln>
+        </p:spPr>
+      </p:cxnSp>
+      <p:cxnSp>
+        <p:nvCxnSpPr>
+          <p:cNvPr id="180" name="Google Shape;180;p15"/>
+          <p:cNvCxnSpPr/>
+          <p:nvPr/>
+        </p:nvCxnSpPr>
+        <p:spPr>
+          <a:xfrm>
+            <a:off x="3238189" y="2468984"/>
+            <a:ext cx="0" cy="588900"/>
+          </a:xfrm>
+          <a:prstGeom prst="straightConnector1">
+            <a:avLst/>
+          </a:prstGeom>
+          <a:noFill/>
+          <a:ln cap="flat" cmpd="sng" w="28575">
+            <a:solidFill>
+              <a:srgbClr val="8E7CC3"/>
+            </a:solidFill>
+            <a:prstDash val="solid"/>
+            <a:round/>
+            <a:headEnd len="med" w="med" type="none"/>
+            <a:tailEnd len="med" w="med" type="triangle"/>
+          </a:ln>
+        </p:spPr>
+      </p:cxnSp>
+      <p:cxnSp>
+        <p:nvCxnSpPr>
+          <p:cNvPr id="181" name="Google Shape;181;p15"/>
+          <p:cNvCxnSpPr/>
+          <p:nvPr/>
+        </p:nvCxnSpPr>
+        <p:spPr>
+          <a:xfrm>
+            <a:off x="3698513" y="1942890"/>
+            <a:ext cx="0" cy="605400"/>
+          </a:xfrm>
+          <a:prstGeom prst="straightConnector1">
+            <a:avLst/>
+          </a:prstGeom>
+          <a:noFill/>
+          <a:ln cap="flat" cmpd="sng" w="19050">
+            <a:solidFill>
+              <a:schemeClr val="accent4"/>
+            </a:solidFill>
+            <a:prstDash val="dash"/>
+            <a:round/>
+            <a:headEnd len="med" w="med" type="none"/>
+            <a:tailEnd len="med" w="med" type="triangle"/>
+          </a:ln>
+        </p:spPr>
+      </p:cxnSp>
+      <p:sp>
+        <p:nvSpPr>
+          <p:cNvPr id="182" name="Google Shape;182;p15"/>
+          <p:cNvSpPr txBox="1"/>
+          <p:nvPr/>
+        </p:nvSpPr>
+        <p:spPr>
+          <a:xfrm>
+            <a:off x="3245213" y="1630444"/>
+            <a:ext cx="906600" cy="312600"/>
+          </a:xfrm>
+          <a:prstGeom prst="rect">
+            <a:avLst/>
+          </a:prstGeom>
+          <a:noFill/>
+          <a:ln>
+            <a:noFill/>
+          </a:ln>
+        </p:spPr>
+        <p:txBody>
+          <a:bodyPr anchorCtr="0" anchor="b" bIns="91425" lIns="91425" spcFirstLastPara="1" rIns="91425" wrap="square" tIns="91425">
+            <a:noAutofit/>
+          </a:bodyPr>
+          <a:lstStyle/>
+          <a:p>
+            <a:pPr indent="0" lvl="0" marL="0" rtl="0" algn="ctr">
+              <a:spcBef>
+                <a:spcPts val="0"/>
+              </a:spcBef>
+              <a:spcAft>
+                <a:spcPts val="0"/>
+              </a:spcAft>
+              <a:buNone/>
+            </a:pPr>
+            <a:r>
+              <a:rPr lang="en" sz="900">
+                <a:solidFill>
+                  <a:schemeClr val="dk2"/>
+                </a:solidFill>
+              </a:rPr>
+              <a:t>Control</a:t>
             </a:r>
             <a:br>
               <a:rPr lang="en" sz="900">
@@ -11704,6 +12159,158 @@
                   <a:schemeClr val="dk2"/>
                 </a:solidFill>
               </a:rPr>
+              <a:t>Plane</a:t>
+            </a:r>
+            <a:endParaRPr sz="900">
+              <a:solidFill>
+                <a:schemeClr val="dk2"/>
+              </a:solidFill>
+            </a:endParaRPr>
+          </a:p>
+          <a:p>
+            <a:pPr indent="0" lvl="0" marL="0" rtl="0" algn="ctr">
+              <a:spcBef>
+                <a:spcPts val="0"/>
+              </a:spcBef>
+              <a:spcAft>
+                <a:spcPts val="0"/>
+              </a:spcAft>
+              <a:buNone/>
+            </a:pPr>
+            <a:r>
+              <a:rPr lang="en" sz="900">
+                <a:solidFill>
+                  <a:schemeClr val="dk2"/>
+                </a:solidFill>
+              </a:rPr>
+              <a:t>Upgraded</a:t>
+            </a:r>
+            <a:endParaRPr sz="900">
+              <a:solidFill>
+                <a:schemeClr val="dk2"/>
+              </a:solidFill>
+            </a:endParaRPr>
+          </a:p>
+        </p:txBody>
+      </p:sp>
+      <p:cxnSp>
+        <p:nvCxnSpPr>
+          <p:cNvPr id="183" name="Google Shape;183;p15"/>
+          <p:cNvCxnSpPr/>
+          <p:nvPr/>
+        </p:nvCxnSpPr>
+        <p:spPr>
+          <a:xfrm>
+            <a:off x="4804276" y="2468986"/>
+            <a:ext cx="0" cy="408900"/>
+          </a:xfrm>
+          <a:prstGeom prst="straightConnector1">
+            <a:avLst/>
+          </a:prstGeom>
+          <a:noFill/>
+          <a:ln cap="flat" cmpd="sng" w="28575">
+            <a:solidFill>
+              <a:srgbClr val="8E7CC3"/>
+            </a:solidFill>
+            <a:prstDash val="solid"/>
+            <a:round/>
+            <a:headEnd len="med" w="med" type="none"/>
+            <a:tailEnd len="med" w="med" type="triangle"/>
+          </a:ln>
+        </p:spPr>
+      </p:cxnSp>
+      <p:cxnSp>
+        <p:nvCxnSpPr>
+          <p:cNvPr id="184" name="Google Shape;184;p15"/>
+          <p:cNvCxnSpPr/>
+          <p:nvPr/>
+        </p:nvCxnSpPr>
+        <p:spPr>
+          <a:xfrm>
+            <a:off x="4191563" y="2468986"/>
+            <a:ext cx="0" cy="408900"/>
+          </a:xfrm>
+          <a:prstGeom prst="straightConnector1">
+            <a:avLst/>
+          </a:prstGeom>
+          <a:noFill/>
+          <a:ln cap="flat" cmpd="sng" w="28575">
+            <a:solidFill>
+              <a:srgbClr val="8E7CC3"/>
+            </a:solidFill>
+            <a:prstDash val="solid"/>
+            <a:round/>
+            <a:headEnd len="med" w="med" type="none"/>
+            <a:tailEnd len="med" w="med" type="triangle"/>
+          </a:ln>
+        </p:spPr>
+      </p:cxnSp>
+      <p:cxnSp>
+        <p:nvCxnSpPr>
+          <p:cNvPr id="185" name="Google Shape;185;p15"/>
+          <p:cNvCxnSpPr/>
+          <p:nvPr/>
+        </p:nvCxnSpPr>
+        <p:spPr>
+          <a:xfrm>
+            <a:off x="4651888" y="1942890"/>
+            <a:ext cx="0" cy="605400"/>
+          </a:xfrm>
+          <a:prstGeom prst="straightConnector1">
+            <a:avLst/>
+          </a:prstGeom>
+          <a:noFill/>
+          <a:ln cap="flat" cmpd="sng" w="19050">
+            <a:solidFill>
+              <a:schemeClr val="accent4"/>
+            </a:solidFill>
+            <a:prstDash val="dash"/>
+            <a:round/>
+            <a:headEnd len="med" w="med" type="none"/>
+            <a:tailEnd len="med" w="med" type="triangle"/>
+          </a:ln>
+        </p:spPr>
+      </p:cxnSp>
+      <p:sp>
+        <p:nvSpPr>
+          <p:cNvPr id="186" name="Google Shape;186;p15"/>
+          <p:cNvSpPr txBox="1"/>
+          <p:nvPr/>
+        </p:nvSpPr>
+        <p:spPr>
+          <a:xfrm>
+            <a:off x="4198588" y="1630444"/>
+            <a:ext cx="906600" cy="312600"/>
+          </a:xfrm>
+          <a:prstGeom prst="rect">
+            <a:avLst/>
+          </a:prstGeom>
+          <a:noFill/>
+          <a:ln>
+            <a:noFill/>
+          </a:ln>
+        </p:spPr>
+        <p:txBody>
+          <a:bodyPr anchorCtr="0" anchor="b" bIns="91425" lIns="91425" spcFirstLastPara="1" rIns="91425" wrap="square" tIns="91425">
+            <a:noAutofit/>
+          </a:bodyPr>
+          <a:lstStyle/>
+          <a:p>
+            <a:pPr indent="0" lvl="0" marL="0" rtl="0" algn="ctr">
+              <a:spcBef>
+                <a:spcPts val="0"/>
+              </a:spcBef>
+              <a:spcAft>
+                <a:spcPts val="0"/>
+              </a:spcAft>
+              <a:buNone/>
+            </a:pPr>
+            <a:r>
+              <a:rPr lang="en" sz="900">
+                <a:solidFill>
+                  <a:schemeClr val="dk2"/>
+                </a:solidFill>
+              </a:rPr>
               <a:t>Control</a:t>
             </a:r>
             <a:br>
@@ -11721,6 +12328,310 @@
               </a:rPr>
               <a:t>Plane</a:t>
             </a:r>
+            <a:endParaRPr sz="900">
+              <a:solidFill>
+                <a:schemeClr val="dk2"/>
+              </a:solidFill>
+            </a:endParaRPr>
+          </a:p>
+          <a:p>
+            <a:pPr indent="0" lvl="0" marL="0" rtl="0" algn="ctr">
+              <a:spcBef>
+                <a:spcPts val="0"/>
+              </a:spcBef>
+              <a:spcAft>
+                <a:spcPts val="0"/>
+              </a:spcAft>
+              <a:buNone/>
+            </a:pPr>
+            <a:r>
+              <a:rPr lang="en" sz="900">
+                <a:solidFill>
+                  <a:schemeClr val="dk2"/>
+                </a:solidFill>
+              </a:rPr>
+              <a:t>Upgraded</a:t>
+            </a:r>
+            <a:endParaRPr sz="900">
+              <a:solidFill>
+                <a:schemeClr val="dk2"/>
+              </a:solidFill>
+            </a:endParaRPr>
+          </a:p>
+        </p:txBody>
+      </p:sp>
+      <p:cxnSp>
+        <p:nvCxnSpPr>
+          <p:cNvPr id="187" name="Google Shape;187;p15"/>
+          <p:cNvCxnSpPr/>
+          <p:nvPr/>
+        </p:nvCxnSpPr>
+        <p:spPr>
+          <a:xfrm>
+            <a:off x="5732213" y="2468984"/>
+            <a:ext cx="0" cy="588900"/>
+          </a:xfrm>
+          <a:prstGeom prst="straightConnector1">
+            <a:avLst/>
+          </a:prstGeom>
+          <a:noFill/>
+          <a:ln cap="flat" cmpd="sng" w="28575">
+            <a:solidFill>
+              <a:srgbClr val="E06666"/>
+            </a:solidFill>
+            <a:prstDash val="solid"/>
+            <a:round/>
+            <a:headEnd len="med" w="med" type="none"/>
+            <a:tailEnd len="med" w="med" type="triangle"/>
+          </a:ln>
+        </p:spPr>
+      </p:cxnSp>
+      <p:cxnSp>
+        <p:nvCxnSpPr>
+          <p:cNvPr id="188" name="Google Shape;188;p15"/>
+          <p:cNvCxnSpPr/>
+          <p:nvPr/>
+        </p:nvCxnSpPr>
+        <p:spPr>
+          <a:xfrm>
+            <a:off x="5119502" y="2468984"/>
+            <a:ext cx="0" cy="588900"/>
+          </a:xfrm>
+          <a:prstGeom prst="straightConnector1">
+            <a:avLst/>
+          </a:prstGeom>
+          <a:noFill/>
+          <a:ln cap="flat" cmpd="sng" w="28575">
+            <a:solidFill>
+              <a:srgbClr val="E06666"/>
+            </a:solidFill>
+            <a:prstDash val="solid"/>
+            <a:round/>
+            <a:headEnd len="med" w="med" type="none"/>
+            <a:tailEnd len="med" w="med" type="triangle"/>
+          </a:ln>
+        </p:spPr>
+      </p:cxnSp>
+      <p:cxnSp>
+        <p:nvCxnSpPr>
+          <p:cNvPr id="189" name="Google Shape;189;p15"/>
+          <p:cNvCxnSpPr/>
+          <p:nvPr/>
+        </p:nvCxnSpPr>
+        <p:spPr>
+          <a:xfrm>
+            <a:off x="5579825" y="1942890"/>
+            <a:ext cx="0" cy="605400"/>
+          </a:xfrm>
+          <a:prstGeom prst="straightConnector1">
+            <a:avLst/>
+          </a:prstGeom>
+          <a:noFill/>
+          <a:ln cap="flat" cmpd="sng" w="19050">
+            <a:solidFill>
+              <a:schemeClr val="accent4"/>
+            </a:solidFill>
+            <a:prstDash val="dash"/>
+            <a:round/>
+            <a:headEnd len="med" w="med" type="none"/>
+            <a:tailEnd len="med" w="med" type="triangle"/>
+          </a:ln>
+        </p:spPr>
+      </p:cxnSp>
+      <p:sp>
+        <p:nvSpPr>
+          <p:cNvPr id="190" name="Google Shape;190;p15"/>
+          <p:cNvSpPr txBox="1"/>
+          <p:nvPr/>
+        </p:nvSpPr>
+        <p:spPr>
+          <a:xfrm>
+            <a:off x="5126525" y="1619679"/>
+            <a:ext cx="906600" cy="312600"/>
+          </a:xfrm>
+          <a:prstGeom prst="rect">
+            <a:avLst/>
+          </a:prstGeom>
+          <a:noFill/>
+          <a:ln>
+            <a:noFill/>
+          </a:ln>
+        </p:spPr>
+        <p:txBody>
+          <a:bodyPr anchorCtr="0" anchor="b" bIns="91425" lIns="91425" spcFirstLastPara="1" rIns="91425" wrap="square" tIns="91425">
+            <a:noAutofit/>
+          </a:bodyPr>
+          <a:lstStyle/>
+          <a:p>
+            <a:pPr indent="0" lvl="0" marL="0" rtl="0" algn="ctr">
+              <a:spcBef>
+                <a:spcPts val="0"/>
+              </a:spcBef>
+              <a:spcAft>
+                <a:spcPts val="0"/>
+              </a:spcAft>
+              <a:buNone/>
+            </a:pPr>
+            <a:r>
+              <a:rPr lang="en" sz="900">
+                <a:solidFill>
+                  <a:schemeClr val="dk2"/>
+                </a:solidFill>
+              </a:rPr>
+              <a:t>Workers</a:t>
+            </a:r>
+            <a:endParaRPr sz="900">
+              <a:solidFill>
+                <a:schemeClr val="dk2"/>
+              </a:solidFill>
+            </a:endParaRPr>
+          </a:p>
+          <a:p>
+            <a:pPr indent="0" lvl="0" marL="0" rtl="0" algn="ctr">
+              <a:spcBef>
+                <a:spcPts val="0"/>
+              </a:spcBef>
+              <a:spcAft>
+                <a:spcPts val="0"/>
+              </a:spcAft>
+              <a:buNone/>
+            </a:pPr>
+            <a:r>
+              <a:rPr lang="en" sz="900">
+                <a:solidFill>
+                  <a:schemeClr val="dk2"/>
+                </a:solidFill>
+              </a:rPr>
+              <a:t>Upgraded</a:t>
+            </a:r>
+            <a:endParaRPr sz="900">
+              <a:solidFill>
+                <a:schemeClr val="dk2"/>
+              </a:solidFill>
+            </a:endParaRPr>
+          </a:p>
+        </p:txBody>
+      </p:sp>
+      <p:cxnSp>
+        <p:nvCxnSpPr>
+          <p:cNvPr id="191" name="Google Shape;191;p15"/>
+          <p:cNvCxnSpPr/>
+          <p:nvPr/>
+        </p:nvCxnSpPr>
+        <p:spPr>
+          <a:xfrm>
+            <a:off x="6579809" y="2468986"/>
+            <a:ext cx="0" cy="408900"/>
+          </a:xfrm>
+          <a:prstGeom prst="straightConnector1">
+            <a:avLst/>
+          </a:prstGeom>
+          <a:noFill/>
+          <a:ln cap="flat" cmpd="sng" w="28575">
+            <a:solidFill>
+              <a:srgbClr val="8E7CC3"/>
+            </a:solidFill>
+            <a:prstDash val="solid"/>
+            <a:round/>
+            <a:headEnd len="med" w="med" type="none"/>
+            <a:tailEnd len="med" w="med" type="triangle"/>
+          </a:ln>
+        </p:spPr>
+      </p:cxnSp>
+      <p:cxnSp>
+        <p:nvCxnSpPr>
+          <p:cNvPr id="192" name="Google Shape;192;p15"/>
+          <p:cNvCxnSpPr/>
+          <p:nvPr/>
+        </p:nvCxnSpPr>
+        <p:spPr>
+          <a:xfrm>
+            <a:off x="5967095" y="2468986"/>
+            <a:ext cx="0" cy="408900"/>
+          </a:xfrm>
+          <a:prstGeom prst="straightConnector1">
+            <a:avLst/>
+          </a:prstGeom>
+          <a:noFill/>
+          <a:ln cap="flat" cmpd="sng" w="28575">
+            <a:solidFill>
+              <a:srgbClr val="8E7CC3"/>
+            </a:solidFill>
+            <a:prstDash val="solid"/>
+            <a:round/>
+            <a:headEnd len="med" w="med" type="none"/>
+            <a:tailEnd len="med" w="med" type="triangle"/>
+          </a:ln>
+        </p:spPr>
+      </p:cxnSp>
+      <p:cxnSp>
+        <p:nvCxnSpPr>
+          <p:cNvPr id="193" name="Google Shape;193;p15"/>
+          <p:cNvCxnSpPr/>
+          <p:nvPr/>
+        </p:nvCxnSpPr>
+        <p:spPr>
+          <a:xfrm>
+            <a:off x="6427413" y="1942890"/>
+            <a:ext cx="0" cy="605400"/>
+          </a:xfrm>
+          <a:prstGeom prst="straightConnector1">
+            <a:avLst/>
+          </a:prstGeom>
+          <a:noFill/>
+          <a:ln cap="flat" cmpd="sng" w="19050">
+            <a:solidFill>
+              <a:schemeClr val="accent4"/>
+            </a:solidFill>
+            <a:prstDash val="dash"/>
+            <a:round/>
+            <a:headEnd len="med" w="med" type="none"/>
+            <a:tailEnd len="med" w="med" type="triangle"/>
+          </a:ln>
+        </p:spPr>
+      </p:cxnSp>
+      <p:sp>
+        <p:nvSpPr>
+          <p:cNvPr id="194" name="Google Shape;194;p15"/>
+          <p:cNvSpPr txBox="1"/>
+          <p:nvPr/>
+        </p:nvSpPr>
+        <p:spPr>
+          <a:xfrm>
+            <a:off x="5974113" y="1608913"/>
+            <a:ext cx="906600" cy="312600"/>
+          </a:xfrm>
+          <a:prstGeom prst="rect">
+            <a:avLst/>
+          </a:prstGeom>
+          <a:noFill/>
+          <a:ln>
+            <a:noFill/>
+          </a:ln>
+        </p:spPr>
+        <p:txBody>
+          <a:bodyPr anchorCtr="0" anchor="b" bIns="91425" lIns="91425" spcFirstLastPara="1" rIns="91425" wrap="square" tIns="91425">
+            <a:noAutofit/>
+          </a:bodyPr>
+          <a:lstStyle/>
+          <a:p>
+            <a:pPr indent="0" lvl="0" marL="0" rtl="0" algn="ctr">
+              <a:spcBef>
+                <a:spcPts val="0"/>
+              </a:spcBef>
+              <a:spcAft>
+                <a:spcPts val="0"/>
+              </a:spcAft>
+              <a:buNone/>
+            </a:pPr>
+            <a:r>
+              <a:rPr lang="en" sz="900">
+                <a:solidFill>
+                  <a:schemeClr val="dk2"/>
+                </a:solidFill>
+              </a:rPr>
+              <a:t>Control</a:t>
+            </a:r>
             <a:br>
               <a:rPr lang="en" sz="900">
                 <a:solidFill>
@@ -11734,7 +12645,188 @@
                   <a:schemeClr val="dk2"/>
                 </a:solidFill>
               </a:rPr>
-              <a:t>Upgrade</a:t>
+              <a:t>Plane</a:t>
+            </a:r>
+            <a:endParaRPr sz="900">
+              <a:solidFill>
+                <a:schemeClr val="dk2"/>
+              </a:solidFill>
+            </a:endParaRPr>
+          </a:p>
+          <a:p>
+            <a:pPr indent="0" lvl="0" marL="0" rtl="0" algn="ctr">
+              <a:spcBef>
+                <a:spcPts val="0"/>
+              </a:spcBef>
+              <a:spcAft>
+                <a:spcPts val="0"/>
+              </a:spcAft>
+              <a:buNone/>
+            </a:pPr>
+            <a:r>
+              <a:rPr lang="en" sz="900">
+                <a:solidFill>
+                  <a:schemeClr val="dk2"/>
+                </a:solidFill>
+              </a:rPr>
+              <a:t>Upgraded</a:t>
+            </a:r>
+            <a:endParaRPr sz="900">
+              <a:solidFill>
+                <a:schemeClr val="dk2"/>
+              </a:solidFill>
+            </a:endParaRPr>
+          </a:p>
+        </p:txBody>
+      </p:sp>
+      <p:cxnSp>
+        <p:nvCxnSpPr>
+          <p:cNvPr id="195" name="Google Shape;195;p15"/>
+          <p:cNvCxnSpPr/>
+          <p:nvPr/>
+        </p:nvCxnSpPr>
+        <p:spPr>
+          <a:xfrm>
+            <a:off x="7553488" y="2468986"/>
+            <a:ext cx="0" cy="408900"/>
+          </a:xfrm>
+          <a:prstGeom prst="straightConnector1">
+            <a:avLst/>
+          </a:prstGeom>
+          <a:noFill/>
+          <a:ln cap="flat" cmpd="sng" w="28575">
+            <a:solidFill>
+              <a:srgbClr val="E06666"/>
+            </a:solidFill>
+            <a:prstDash val="solid"/>
+            <a:round/>
+            <a:headEnd len="med" w="med" type="none"/>
+            <a:tailEnd len="med" w="med" type="triangle"/>
+          </a:ln>
+        </p:spPr>
+      </p:cxnSp>
+      <p:cxnSp>
+        <p:nvCxnSpPr>
+          <p:cNvPr id="196" name="Google Shape;196;p15"/>
+          <p:cNvCxnSpPr/>
+          <p:nvPr/>
+        </p:nvCxnSpPr>
+        <p:spPr>
+          <a:xfrm>
+            <a:off x="6940774" y="2468986"/>
+            <a:ext cx="0" cy="408900"/>
+          </a:xfrm>
+          <a:prstGeom prst="straightConnector1">
+            <a:avLst/>
+          </a:prstGeom>
+          <a:noFill/>
+          <a:ln cap="flat" cmpd="sng" w="28575">
+            <a:solidFill>
+              <a:srgbClr val="E06666"/>
+            </a:solidFill>
+            <a:prstDash val="solid"/>
+            <a:round/>
+            <a:headEnd len="med" w="med" type="none"/>
+            <a:tailEnd len="med" w="med" type="triangle"/>
+          </a:ln>
+        </p:spPr>
+      </p:cxnSp>
+      <p:cxnSp>
+        <p:nvCxnSpPr>
+          <p:cNvPr id="197" name="Google Shape;197;p15"/>
+          <p:cNvCxnSpPr/>
+          <p:nvPr/>
+        </p:nvCxnSpPr>
+        <p:spPr>
+          <a:xfrm>
+            <a:off x="7401088" y="1942890"/>
+            <a:ext cx="0" cy="605400"/>
+          </a:xfrm>
+          <a:prstGeom prst="straightConnector1">
+            <a:avLst/>
+          </a:prstGeom>
+          <a:noFill/>
+          <a:ln cap="flat" cmpd="sng" w="19050">
+            <a:solidFill>
+              <a:schemeClr val="accent4"/>
+            </a:solidFill>
+            <a:prstDash val="dash"/>
+            <a:round/>
+            <a:headEnd len="med" w="med" type="none"/>
+            <a:tailEnd len="med" w="med" type="triangle"/>
+          </a:ln>
+        </p:spPr>
+      </p:cxnSp>
+      <p:sp>
+        <p:nvSpPr>
+          <p:cNvPr id="198" name="Google Shape;198;p15"/>
+          <p:cNvSpPr txBox="1"/>
+          <p:nvPr/>
+        </p:nvSpPr>
+        <p:spPr>
+          <a:xfrm>
+            <a:off x="6947788" y="1630444"/>
+            <a:ext cx="906600" cy="312600"/>
+          </a:xfrm>
+          <a:prstGeom prst="rect">
+            <a:avLst/>
+          </a:prstGeom>
+          <a:noFill/>
+          <a:ln>
+            <a:noFill/>
+          </a:ln>
+        </p:spPr>
+        <p:txBody>
+          <a:bodyPr anchorCtr="0" anchor="b" bIns="91425" lIns="91425" spcFirstLastPara="1" rIns="91425" wrap="square" tIns="91425">
+            <a:noAutofit/>
+          </a:bodyPr>
+          <a:lstStyle/>
+          <a:p>
+            <a:pPr indent="0" lvl="0" marL="0" rtl="0" algn="ctr">
+              <a:spcBef>
+                <a:spcPts val="0"/>
+              </a:spcBef>
+              <a:spcAft>
+                <a:spcPts val="0"/>
+              </a:spcAft>
+              <a:buClr>
+                <a:schemeClr val="dk1"/>
+              </a:buClr>
+              <a:buSzPts val="1100"/>
+              <a:buFont typeface="Arial"/>
+              <a:buNone/>
+            </a:pPr>
+            <a:r>
+              <a:rPr lang="en" sz="900">
+                <a:solidFill>
+                  <a:schemeClr val="dk2"/>
+                </a:solidFill>
+              </a:rPr>
+              <a:t>Workers</a:t>
+            </a:r>
+            <a:endParaRPr sz="900">
+              <a:solidFill>
+                <a:schemeClr val="dk2"/>
+              </a:solidFill>
+            </a:endParaRPr>
+          </a:p>
+          <a:p>
+            <a:pPr indent="0" lvl="0" marL="0" rtl="0" algn="ctr">
+              <a:spcBef>
+                <a:spcPts val="0"/>
+              </a:spcBef>
+              <a:spcAft>
+                <a:spcPts val="0"/>
+              </a:spcAft>
+              <a:buNone/>
+            </a:pPr>
+            <a:r>
+              <a:rPr lang="en" sz="900">
+                <a:solidFill>
+                  <a:schemeClr val="dk2"/>
+                </a:solidFill>
+              </a:rPr>
+              <a:t>Upgraded</a:t>
             </a:r>
             <a:endParaRPr sz="900">
               <a:solidFill>
@@ -11746,13 +12838,13 @@
       </p:sp>
       <p:sp>
         <p:nvSpPr>
-          <p:cNvPr id="172" name="Google Shape;172;p15"/>
+          <p:cNvPr id="199" name="Google Shape;199;p15"/>
           <p:cNvSpPr txBox="1"/>
           <p:nvPr/>
         </p:nvSpPr>
         <p:spPr>
           <a:xfrm>
-            <a:off x="7525986" y="3057878"/>
+            <a:off x="5343722" y="3057878"/>
             <a:ext cx="777000" cy="476700"/>
           </a:xfrm>
           <a:prstGeom prst="rect">
@@ -11799,7 +12891,7 @@
                   <a:schemeClr val="dk2"/>
                 </a:solidFill>
               </a:rPr>
-              <a:t>Cluster</a:t>
+              <a:t>Workers</a:t>
             </a:r>
             <a:br>
               <a:rPr lang="en" sz="900">
@@ -11826,13 +12918,13 @@
       </p:sp>
       <p:sp>
         <p:nvSpPr>
-          <p:cNvPr id="173" name="Google Shape;173;p15"/>
+          <p:cNvPr id="200" name="Google Shape;200;p15"/>
           <p:cNvSpPr txBox="1"/>
           <p:nvPr/>
         </p:nvSpPr>
         <p:spPr>
           <a:xfrm>
-            <a:off x="2676313" y="3057878"/>
+            <a:off x="4576063" y="3057878"/>
             <a:ext cx="1086900" cy="476700"/>
           </a:xfrm>
           <a:prstGeom prst="rect">
@@ -11879,31 +12971,7 @@
                   <a:schemeClr val="dk2"/>
                 </a:solidFill>
               </a:rPr>
-              <a:t>Control </a:t>
-            </a:r>
-            <a:endParaRPr sz="900">
-              <a:solidFill>
-                <a:schemeClr val="dk2"/>
-              </a:solidFill>
-            </a:endParaRPr>
-          </a:p>
-          <a:p>
-            <a:pPr indent="0" lvl="0" marL="0" rtl="0" algn="ctr">
-              <a:spcBef>
-                <a:spcPts val="0"/>
-              </a:spcBef>
-              <a:spcAft>
-                <a:spcPts val="0"/>
-              </a:spcAft>
-              <a:buNone/>
-            </a:pPr>
-            <a:r>
-              <a:rPr lang="en" sz="900">
-                <a:solidFill>
-                  <a:schemeClr val="dk2"/>
-                </a:solidFill>
-              </a:rPr>
-              <a:t>Plane</a:t>
+              <a:t>Workers</a:t>
             </a:r>
             <a:br>
               <a:rPr lang="en" sz="900">
@@ -11930,1423 +12998,7 @@
       </p:sp>
       <p:sp>
         <p:nvSpPr>
-          <p:cNvPr id="174" name="Google Shape;174;p15"/>
-          <p:cNvSpPr/>
-          <p:nvPr/>
-        </p:nvSpPr>
-        <p:spPr>
-          <a:xfrm>
-            <a:off x="3238013" y="2449805"/>
-            <a:ext cx="612900" cy="285900"/>
-          </a:xfrm>
-          <a:prstGeom prst="rect">
-            <a:avLst/>
-          </a:prstGeom>
-          <a:solidFill>
-            <a:srgbClr val="B4A7D6"/>
-          </a:solidFill>
-          <a:ln>
-            <a:noFill/>
-          </a:ln>
-        </p:spPr>
-        <p:txBody>
-          <a:bodyPr anchorCtr="0" anchor="ctr" bIns="91425" lIns="91425" spcFirstLastPara="1" rIns="91425" wrap="square" tIns="91425">
-            <a:noAutofit/>
-          </a:bodyPr>
-          <a:lstStyle/>
-          <a:p>
-            <a:pPr indent="0" lvl="0" marL="0" rtl="0" algn="ctr">
-              <a:spcBef>
-                <a:spcPts val="0"/>
-              </a:spcBef>
-              <a:spcAft>
-                <a:spcPts val="0"/>
-              </a:spcAft>
-              <a:buNone/>
-            </a:pPr>
-            <a:r>
-              <a:t/>
-            </a:r>
-            <a:endParaRPr/>
-          </a:p>
-        </p:txBody>
-      </p:sp>
-      <p:sp>
-        <p:nvSpPr>
-          <p:cNvPr id="175" name="Google Shape;175;p15"/>
-          <p:cNvSpPr/>
-          <p:nvPr/>
-        </p:nvSpPr>
-        <p:spPr>
-          <a:xfrm>
-            <a:off x="4191388" y="2449805"/>
-            <a:ext cx="612900" cy="285900"/>
-          </a:xfrm>
-          <a:prstGeom prst="rect">
-            <a:avLst/>
-          </a:prstGeom>
-          <a:solidFill>
-            <a:srgbClr val="B4A7D6"/>
-          </a:solidFill>
-          <a:ln>
-            <a:noFill/>
-          </a:ln>
-        </p:spPr>
-        <p:txBody>
-          <a:bodyPr anchorCtr="0" anchor="ctr" bIns="91425" lIns="91425" spcFirstLastPara="1" rIns="91425" wrap="square" tIns="91425">
-            <a:noAutofit/>
-          </a:bodyPr>
-          <a:lstStyle/>
-          <a:p>
-            <a:pPr indent="0" lvl="0" marL="0" rtl="0" algn="ctr">
-              <a:spcBef>
-                <a:spcPts val="0"/>
-              </a:spcBef>
-              <a:spcAft>
-                <a:spcPts val="0"/>
-              </a:spcAft>
-              <a:buNone/>
-            </a:pPr>
-            <a:r>
-              <a:t/>
-            </a:r>
-            <a:endParaRPr/>
-          </a:p>
-        </p:txBody>
-      </p:sp>
-      <p:sp>
-        <p:nvSpPr>
-          <p:cNvPr id="176" name="Google Shape;176;p15"/>
-          <p:cNvSpPr/>
-          <p:nvPr/>
-        </p:nvSpPr>
-        <p:spPr>
-          <a:xfrm>
-            <a:off x="5119325" y="2449805"/>
-            <a:ext cx="612900" cy="285900"/>
-          </a:xfrm>
-          <a:prstGeom prst="rect">
-            <a:avLst/>
-          </a:prstGeom>
-          <a:solidFill>
-            <a:srgbClr val="F4CCCC"/>
-          </a:solidFill>
-          <a:ln>
-            <a:noFill/>
-          </a:ln>
-        </p:spPr>
-        <p:txBody>
-          <a:bodyPr anchorCtr="0" anchor="ctr" bIns="91425" lIns="91425" spcFirstLastPara="1" rIns="91425" wrap="square" tIns="91425">
-            <a:noAutofit/>
-          </a:bodyPr>
-          <a:lstStyle/>
-          <a:p>
-            <a:pPr indent="0" lvl="0" marL="0" marR="0" rtl="0" algn="ctr">
-              <a:lnSpc>
-                <a:spcPct val="100000"/>
-              </a:lnSpc>
-              <a:spcBef>
-                <a:spcPts val="0"/>
-              </a:spcBef>
-              <a:spcAft>
-                <a:spcPts val="0"/>
-              </a:spcAft>
-              <a:buNone/>
-            </a:pPr>
-            <a:r>
-              <a:t/>
-            </a:r>
-            <a:endParaRPr/>
-          </a:p>
-        </p:txBody>
-      </p:sp>
-      <p:sp>
-        <p:nvSpPr>
-          <p:cNvPr id="177" name="Google Shape;177;p15"/>
-          <p:cNvSpPr/>
-          <p:nvPr/>
-        </p:nvSpPr>
-        <p:spPr>
-          <a:xfrm>
-            <a:off x="5966913" y="2449805"/>
-            <a:ext cx="612900" cy="285900"/>
-          </a:xfrm>
-          <a:prstGeom prst="rect">
-            <a:avLst/>
-          </a:prstGeom>
-          <a:solidFill>
-            <a:srgbClr val="B4A7D6"/>
-          </a:solidFill>
-          <a:ln>
-            <a:noFill/>
-          </a:ln>
-        </p:spPr>
-        <p:txBody>
-          <a:bodyPr anchorCtr="0" anchor="ctr" bIns="91425" lIns="91425" spcFirstLastPara="1" rIns="91425" wrap="square" tIns="91425">
-            <a:noAutofit/>
-          </a:bodyPr>
-          <a:lstStyle/>
-          <a:p>
-            <a:pPr indent="0" lvl="0" marL="0" rtl="0" algn="ctr">
-              <a:spcBef>
-                <a:spcPts val="0"/>
-              </a:spcBef>
-              <a:spcAft>
-                <a:spcPts val="0"/>
-              </a:spcAft>
-              <a:buNone/>
-            </a:pPr>
-            <a:r>
-              <a:t/>
-            </a:r>
-            <a:endParaRPr/>
-          </a:p>
-        </p:txBody>
-      </p:sp>
-      <p:sp>
-        <p:nvSpPr>
-          <p:cNvPr id="178" name="Google Shape;178;p15"/>
-          <p:cNvSpPr/>
-          <p:nvPr/>
-        </p:nvSpPr>
-        <p:spPr>
-          <a:xfrm>
-            <a:off x="6940588" y="2449805"/>
-            <a:ext cx="612900" cy="285900"/>
-          </a:xfrm>
-          <a:prstGeom prst="rect">
-            <a:avLst/>
-          </a:prstGeom>
-          <a:solidFill>
-            <a:srgbClr val="F4CCCC"/>
-          </a:solidFill>
-          <a:ln>
-            <a:noFill/>
-          </a:ln>
-        </p:spPr>
-        <p:txBody>
-          <a:bodyPr anchorCtr="0" anchor="ctr" bIns="91425" lIns="91425" spcFirstLastPara="1" rIns="91425" wrap="square" tIns="91425">
-            <a:noAutofit/>
-          </a:bodyPr>
-          <a:lstStyle/>
-          <a:p>
-            <a:pPr indent="0" lvl="0" marL="0" rtl="0" algn="ctr">
-              <a:spcBef>
-                <a:spcPts val="0"/>
-              </a:spcBef>
-              <a:spcAft>
-                <a:spcPts val="0"/>
-              </a:spcAft>
-              <a:buNone/>
-            </a:pPr>
-            <a:r>
-              <a:t/>
-            </a:r>
-            <a:endParaRPr/>
-          </a:p>
-        </p:txBody>
-      </p:sp>
-      <p:cxnSp>
-        <p:nvCxnSpPr>
-          <p:cNvPr id="179" name="Google Shape;179;p15"/>
-          <p:cNvCxnSpPr/>
-          <p:nvPr/>
-        </p:nvCxnSpPr>
-        <p:spPr>
-          <a:xfrm>
-            <a:off x="588186" y="2592838"/>
-            <a:ext cx="8015400" cy="0"/>
-          </a:xfrm>
-          <a:prstGeom prst="straightConnector1">
-            <a:avLst/>
-          </a:prstGeom>
-          <a:noFill/>
-          <a:ln cap="flat" cmpd="sng" w="38100">
-            <a:solidFill>
-              <a:srgbClr val="1155CC"/>
-            </a:solidFill>
-            <a:prstDash val="solid"/>
-            <a:round/>
-            <a:headEnd len="med" w="med" type="none"/>
-            <a:tailEnd len="med" w="med" type="triangle"/>
-          </a:ln>
-        </p:spPr>
-      </p:cxnSp>
-      <p:cxnSp>
-        <p:nvCxnSpPr>
-          <p:cNvPr id="180" name="Google Shape;180;p15"/>
-          <p:cNvCxnSpPr/>
-          <p:nvPr/>
-        </p:nvCxnSpPr>
-        <p:spPr>
-          <a:xfrm>
-            <a:off x="2568939" y="2468984"/>
-            <a:ext cx="0" cy="588900"/>
-          </a:xfrm>
-          <a:prstGeom prst="straightConnector1">
-            <a:avLst/>
-          </a:prstGeom>
-          <a:noFill/>
-          <a:ln cap="flat" cmpd="sng" w="28575">
-            <a:solidFill>
-              <a:srgbClr val="6AA84F"/>
-            </a:solidFill>
-            <a:prstDash val="solid"/>
-            <a:round/>
-            <a:headEnd len="med" w="med" type="none"/>
-            <a:tailEnd len="med" w="med" type="triangle"/>
-          </a:ln>
-        </p:spPr>
-      </p:cxnSp>
-      <p:cxnSp>
-        <p:nvCxnSpPr>
-          <p:cNvPr id="181" name="Google Shape;181;p15"/>
-          <p:cNvCxnSpPr/>
-          <p:nvPr/>
-        </p:nvCxnSpPr>
-        <p:spPr>
-          <a:xfrm>
-            <a:off x="3850900" y="2468984"/>
-            <a:ext cx="0" cy="588900"/>
-          </a:xfrm>
-          <a:prstGeom prst="straightConnector1">
-            <a:avLst/>
-          </a:prstGeom>
-          <a:noFill/>
-          <a:ln cap="flat" cmpd="sng" w="28575">
-            <a:solidFill>
-              <a:srgbClr val="8E7CC3"/>
-            </a:solidFill>
-            <a:prstDash val="solid"/>
-            <a:round/>
-            <a:headEnd len="med" w="med" type="none"/>
-            <a:tailEnd len="med" w="med" type="triangle"/>
-          </a:ln>
-        </p:spPr>
-      </p:cxnSp>
-      <p:cxnSp>
-        <p:nvCxnSpPr>
-          <p:cNvPr id="182" name="Google Shape;182;p15"/>
-          <p:cNvCxnSpPr/>
-          <p:nvPr/>
-        </p:nvCxnSpPr>
-        <p:spPr>
-          <a:xfrm>
-            <a:off x="7914414" y="2468984"/>
-            <a:ext cx="0" cy="588900"/>
-          </a:xfrm>
-          <a:prstGeom prst="straightConnector1">
-            <a:avLst/>
-          </a:prstGeom>
-          <a:noFill/>
-          <a:ln cap="flat" cmpd="sng" w="28575">
-            <a:solidFill>
-              <a:srgbClr val="6AA84F"/>
-            </a:solidFill>
-            <a:prstDash val="solid"/>
-            <a:round/>
-            <a:headEnd len="med" w="med" type="none"/>
-            <a:tailEnd len="med" w="med" type="triangle"/>
-          </a:ln>
-        </p:spPr>
-      </p:cxnSp>
-      <p:cxnSp>
-        <p:nvCxnSpPr>
-          <p:cNvPr id="183" name="Google Shape;183;p15"/>
-          <p:cNvCxnSpPr/>
-          <p:nvPr/>
-        </p:nvCxnSpPr>
-        <p:spPr>
-          <a:xfrm>
-            <a:off x="3238189" y="2468984"/>
-            <a:ext cx="0" cy="588900"/>
-          </a:xfrm>
-          <a:prstGeom prst="straightConnector1">
-            <a:avLst/>
-          </a:prstGeom>
-          <a:noFill/>
-          <a:ln cap="flat" cmpd="sng" w="28575">
-            <a:solidFill>
-              <a:srgbClr val="8E7CC3"/>
-            </a:solidFill>
-            <a:prstDash val="solid"/>
-            <a:round/>
-            <a:headEnd len="med" w="med" type="none"/>
-            <a:tailEnd len="med" w="med" type="triangle"/>
-          </a:ln>
-        </p:spPr>
-      </p:cxnSp>
-      <p:cxnSp>
-        <p:nvCxnSpPr>
-          <p:cNvPr id="184" name="Google Shape;184;p15"/>
-          <p:cNvCxnSpPr/>
-          <p:nvPr/>
-        </p:nvCxnSpPr>
-        <p:spPr>
-          <a:xfrm>
-            <a:off x="3698513" y="1942890"/>
-            <a:ext cx="0" cy="605400"/>
-          </a:xfrm>
-          <a:prstGeom prst="straightConnector1">
-            <a:avLst/>
-          </a:prstGeom>
-          <a:noFill/>
-          <a:ln cap="flat" cmpd="sng" w="19050">
-            <a:solidFill>
-              <a:schemeClr val="accent4"/>
-            </a:solidFill>
-            <a:prstDash val="dash"/>
-            <a:round/>
-            <a:headEnd len="med" w="med" type="none"/>
-            <a:tailEnd len="med" w="med" type="triangle"/>
-          </a:ln>
-        </p:spPr>
-      </p:cxnSp>
-      <p:sp>
-        <p:nvSpPr>
-          <p:cNvPr id="185" name="Google Shape;185;p15"/>
-          <p:cNvSpPr txBox="1"/>
-          <p:nvPr/>
-        </p:nvSpPr>
-        <p:spPr>
-          <a:xfrm>
-            <a:off x="3245213" y="1630444"/>
-            <a:ext cx="906600" cy="312600"/>
-          </a:xfrm>
-          <a:prstGeom prst="rect">
-            <a:avLst/>
-          </a:prstGeom>
-          <a:noFill/>
-          <a:ln>
-            <a:noFill/>
-          </a:ln>
-        </p:spPr>
-        <p:txBody>
-          <a:bodyPr anchorCtr="0" anchor="b" bIns="91425" lIns="91425" spcFirstLastPara="1" rIns="91425" wrap="square" tIns="91425">
-            <a:noAutofit/>
-          </a:bodyPr>
-          <a:lstStyle/>
-          <a:p>
-            <a:pPr indent="0" lvl="0" marL="0" rtl="0" algn="ctr">
-              <a:spcBef>
-                <a:spcPts val="0"/>
-              </a:spcBef>
-              <a:spcAft>
-                <a:spcPts val="0"/>
-              </a:spcAft>
-              <a:buNone/>
-            </a:pPr>
-            <a:r>
-              <a:rPr lang="en" sz="900">
-                <a:solidFill>
-                  <a:schemeClr val="dk2"/>
-                </a:solidFill>
-              </a:rPr>
-              <a:t>Control</a:t>
-            </a:r>
-            <a:br>
-              <a:rPr lang="en" sz="900">
-                <a:solidFill>
-                  <a:schemeClr val="dk2"/>
-                </a:solidFill>
-              </a:rPr>
-            </a:br>
-            <a:r>
-              <a:rPr lang="en" sz="900">
-                <a:solidFill>
-                  <a:schemeClr val="dk2"/>
-                </a:solidFill>
-              </a:rPr>
-              <a:t>Plane</a:t>
-            </a:r>
-            <a:endParaRPr sz="900">
-              <a:solidFill>
-                <a:schemeClr val="dk2"/>
-              </a:solidFill>
-            </a:endParaRPr>
-          </a:p>
-          <a:p>
-            <a:pPr indent="0" lvl="0" marL="0" rtl="0" algn="ctr">
-              <a:spcBef>
-                <a:spcPts val="0"/>
-              </a:spcBef>
-              <a:spcAft>
-                <a:spcPts val="0"/>
-              </a:spcAft>
-              <a:buNone/>
-            </a:pPr>
-            <a:r>
-              <a:rPr lang="en" sz="900">
-                <a:solidFill>
-                  <a:schemeClr val="dk2"/>
-                </a:solidFill>
-              </a:rPr>
-              <a:t>Upgraded</a:t>
-            </a:r>
-            <a:endParaRPr sz="900">
-              <a:solidFill>
-                <a:schemeClr val="dk2"/>
-              </a:solidFill>
-            </a:endParaRPr>
-          </a:p>
-        </p:txBody>
-      </p:sp>
-      <p:cxnSp>
-        <p:nvCxnSpPr>
-          <p:cNvPr id="186" name="Google Shape;186;p15"/>
-          <p:cNvCxnSpPr/>
-          <p:nvPr/>
-        </p:nvCxnSpPr>
-        <p:spPr>
-          <a:xfrm>
-            <a:off x="4804276" y="2468986"/>
-            <a:ext cx="0" cy="408900"/>
-          </a:xfrm>
-          <a:prstGeom prst="straightConnector1">
-            <a:avLst/>
-          </a:prstGeom>
-          <a:noFill/>
-          <a:ln cap="flat" cmpd="sng" w="28575">
-            <a:solidFill>
-              <a:srgbClr val="8E7CC3"/>
-            </a:solidFill>
-            <a:prstDash val="solid"/>
-            <a:round/>
-            <a:headEnd len="med" w="med" type="none"/>
-            <a:tailEnd len="med" w="med" type="triangle"/>
-          </a:ln>
-        </p:spPr>
-      </p:cxnSp>
-      <p:cxnSp>
-        <p:nvCxnSpPr>
-          <p:cNvPr id="187" name="Google Shape;187;p15"/>
-          <p:cNvCxnSpPr/>
-          <p:nvPr/>
-        </p:nvCxnSpPr>
-        <p:spPr>
-          <a:xfrm>
-            <a:off x="4191563" y="2468986"/>
-            <a:ext cx="0" cy="408900"/>
-          </a:xfrm>
-          <a:prstGeom prst="straightConnector1">
-            <a:avLst/>
-          </a:prstGeom>
-          <a:noFill/>
-          <a:ln cap="flat" cmpd="sng" w="28575">
-            <a:solidFill>
-              <a:srgbClr val="8E7CC3"/>
-            </a:solidFill>
-            <a:prstDash val="solid"/>
-            <a:round/>
-            <a:headEnd len="med" w="med" type="none"/>
-            <a:tailEnd len="med" w="med" type="triangle"/>
-          </a:ln>
-        </p:spPr>
-      </p:cxnSp>
-      <p:cxnSp>
-        <p:nvCxnSpPr>
-          <p:cNvPr id="188" name="Google Shape;188;p15"/>
-          <p:cNvCxnSpPr/>
-          <p:nvPr/>
-        </p:nvCxnSpPr>
-        <p:spPr>
-          <a:xfrm>
-            <a:off x="4651888" y="1942890"/>
-            <a:ext cx="0" cy="605400"/>
-          </a:xfrm>
-          <a:prstGeom prst="straightConnector1">
-            <a:avLst/>
-          </a:prstGeom>
-          <a:noFill/>
-          <a:ln cap="flat" cmpd="sng" w="19050">
-            <a:solidFill>
-              <a:schemeClr val="accent4"/>
-            </a:solidFill>
-            <a:prstDash val="dash"/>
-            <a:round/>
-            <a:headEnd len="med" w="med" type="none"/>
-            <a:tailEnd len="med" w="med" type="triangle"/>
-          </a:ln>
-        </p:spPr>
-      </p:cxnSp>
-      <p:sp>
-        <p:nvSpPr>
-          <p:cNvPr id="189" name="Google Shape;189;p15"/>
-          <p:cNvSpPr txBox="1"/>
-          <p:nvPr/>
-        </p:nvSpPr>
-        <p:spPr>
-          <a:xfrm>
-            <a:off x="4198588" y="1630444"/>
-            <a:ext cx="906600" cy="312600"/>
-          </a:xfrm>
-          <a:prstGeom prst="rect">
-            <a:avLst/>
-          </a:prstGeom>
-          <a:noFill/>
-          <a:ln>
-            <a:noFill/>
-          </a:ln>
-        </p:spPr>
-        <p:txBody>
-          <a:bodyPr anchorCtr="0" anchor="b" bIns="91425" lIns="91425" spcFirstLastPara="1" rIns="91425" wrap="square" tIns="91425">
-            <a:noAutofit/>
-          </a:bodyPr>
-          <a:lstStyle/>
-          <a:p>
-            <a:pPr indent="0" lvl="0" marL="0" rtl="0" algn="ctr">
-              <a:spcBef>
-                <a:spcPts val="0"/>
-              </a:spcBef>
-              <a:spcAft>
-                <a:spcPts val="0"/>
-              </a:spcAft>
-              <a:buNone/>
-            </a:pPr>
-            <a:r>
-              <a:rPr lang="en" sz="900">
-                <a:solidFill>
-                  <a:schemeClr val="dk2"/>
-                </a:solidFill>
-              </a:rPr>
-              <a:t>Control</a:t>
-            </a:r>
-            <a:br>
-              <a:rPr lang="en" sz="900">
-                <a:solidFill>
-                  <a:schemeClr val="dk2"/>
-                </a:solidFill>
-              </a:rPr>
-            </a:br>
-            <a:r>
-              <a:rPr lang="en" sz="900">
-                <a:solidFill>
-                  <a:schemeClr val="dk2"/>
-                </a:solidFill>
-              </a:rPr>
-              <a:t>Plane</a:t>
-            </a:r>
-            <a:endParaRPr sz="900">
-              <a:solidFill>
-                <a:schemeClr val="dk2"/>
-              </a:solidFill>
-            </a:endParaRPr>
-          </a:p>
-          <a:p>
-            <a:pPr indent="0" lvl="0" marL="0" rtl="0" algn="ctr">
-              <a:spcBef>
-                <a:spcPts val="0"/>
-              </a:spcBef>
-              <a:spcAft>
-                <a:spcPts val="0"/>
-              </a:spcAft>
-              <a:buNone/>
-            </a:pPr>
-            <a:r>
-              <a:rPr lang="en" sz="900">
-                <a:solidFill>
-                  <a:schemeClr val="dk2"/>
-                </a:solidFill>
-              </a:rPr>
-              <a:t>Upgraded</a:t>
-            </a:r>
-            <a:endParaRPr sz="900">
-              <a:solidFill>
-                <a:schemeClr val="dk2"/>
-              </a:solidFill>
-            </a:endParaRPr>
-          </a:p>
-        </p:txBody>
-      </p:sp>
-      <p:cxnSp>
-        <p:nvCxnSpPr>
-          <p:cNvPr id="190" name="Google Shape;190;p15"/>
-          <p:cNvCxnSpPr/>
-          <p:nvPr/>
-        </p:nvCxnSpPr>
-        <p:spPr>
-          <a:xfrm>
-            <a:off x="5732213" y="2468984"/>
-            <a:ext cx="0" cy="588900"/>
-          </a:xfrm>
-          <a:prstGeom prst="straightConnector1">
-            <a:avLst/>
-          </a:prstGeom>
-          <a:noFill/>
-          <a:ln cap="flat" cmpd="sng" w="28575">
-            <a:solidFill>
-              <a:srgbClr val="E06666"/>
-            </a:solidFill>
-            <a:prstDash val="solid"/>
-            <a:round/>
-            <a:headEnd len="med" w="med" type="none"/>
-            <a:tailEnd len="med" w="med" type="triangle"/>
-          </a:ln>
-        </p:spPr>
-      </p:cxnSp>
-      <p:cxnSp>
-        <p:nvCxnSpPr>
-          <p:cNvPr id="191" name="Google Shape;191;p15"/>
-          <p:cNvCxnSpPr/>
-          <p:nvPr/>
-        </p:nvCxnSpPr>
-        <p:spPr>
-          <a:xfrm>
-            <a:off x="5119502" y="2468984"/>
-            <a:ext cx="0" cy="588900"/>
-          </a:xfrm>
-          <a:prstGeom prst="straightConnector1">
-            <a:avLst/>
-          </a:prstGeom>
-          <a:noFill/>
-          <a:ln cap="flat" cmpd="sng" w="28575">
-            <a:solidFill>
-              <a:srgbClr val="E06666"/>
-            </a:solidFill>
-            <a:prstDash val="solid"/>
-            <a:round/>
-            <a:headEnd len="med" w="med" type="none"/>
-            <a:tailEnd len="med" w="med" type="triangle"/>
-          </a:ln>
-        </p:spPr>
-      </p:cxnSp>
-      <p:cxnSp>
-        <p:nvCxnSpPr>
-          <p:cNvPr id="192" name="Google Shape;192;p15"/>
-          <p:cNvCxnSpPr/>
-          <p:nvPr/>
-        </p:nvCxnSpPr>
-        <p:spPr>
-          <a:xfrm>
-            <a:off x="5579825" y="1942890"/>
-            <a:ext cx="0" cy="605400"/>
-          </a:xfrm>
-          <a:prstGeom prst="straightConnector1">
-            <a:avLst/>
-          </a:prstGeom>
-          <a:noFill/>
-          <a:ln cap="flat" cmpd="sng" w="19050">
-            <a:solidFill>
-              <a:schemeClr val="accent4"/>
-            </a:solidFill>
-            <a:prstDash val="dash"/>
-            <a:round/>
-            <a:headEnd len="med" w="med" type="none"/>
-            <a:tailEnd len="med" w="med" type="triangle"/>
-          </a:ln>
-        </p:spPr>
-      </p:cxnSp>
-      <p:sp>
-        <p:nvSpPr>
-          <p:cNvPr id="193" name="Google Shape;193;p15"/>
-          <p:cNvSpPr txBox="1"/>
-          <p:nvPr/>
-        </p:nvSpPr>
-        <p:spPr>
-          <a:xfrm>
-            <a:off x="5126525" y="1619679"/>
-            <a:ext cx="906600" cy="312600"/>
-          </a:xfrm>
-          <a:prstGeom prst="rect">
-            <a:avLst/>
-          </a:prstGeom>
-          <a:noFill/>
-          <a:ln>
-            <a:noFill/>
-          </a:ln>
-        </p:spPr>
-        <p:txBody>
-          <a:bodyPr anchorCtr="0" anchor="b" bIns="91425" lIns="91425" spcFirstLastPara="1" rIns="91425" wrap="square" tIns="91425">
-            <a:noAutofit/>
-          </a:bodyPr>
-          <a:lstStyle/>
-          <a:p>
-            <a:pPr indent="0" lvl="0" marL="0" rtl="0" algn="ctr">
-              <a:spcBef>
-                <a:spcPts val="0"/>
-              </a:spcBef>
-              <a:spcAft>
-                <a:spcPts val="0"/>
-              </a:spcAft>
-              <a:buNone/>
-            </a:pPr>
-            <a:r>
-              <a:rPr lang="en" sz="900">
-                <a:solidFill>
-                  <a:schemeClr val="dk2"/>
-                </a:solidFill>
-              </a:rPr>
-              <a:t>Workers</a:t>
-            </a:r>
-            <a:endParaRPr sz="900">
-              <a:solidFill>
-                <a:schemeClr val="dk2"/>
-              </a:solidFill>
-            </a:endParaRPr>
-          </a:p>
-          <a:p>
-            <a:pPr indent="0" lvl="0" marL="0" rtl="0" algn="ctr">
-              <a:spcBef>
-                <a:spcPts val="0"/>
-              </a:spcBef>
-              <a:spcAft>
-                <a:spcPts val="0"/>
-              </a:spcAft>
-              <a:buNone/>
-            </a:pPr>
-            <a:r>
-              <a:rPr lang="en" sz="900">
-                <a:solidFill>
-                  <a:schemeClr val="dk2"/>
-                </a:solidFill>
-              </a:rPr>
-              <a:t>Upgraded</a:t>
-            </a:r>
-            <a:endParaRPr sz="900">
-              <a:solidFill>
-                <a:schemeClr val="dk2"/>
-              </a:solidFill>
-            </a:endParaRPr>
-          </a:p>
-        </p:txBody>
-      </p:sp>
-      <p:cxnSp>
-        <p:nvCxnSpPr>
-          <p:cNvPr id="194" name="Google Shape;194;p15"/>
-          <p:cNvCxnSpPr/>
-          <p:nvPr/>
-        </p:nvCxnSpPr>
-        <p:spPr>
-          <a:xfrm>
-            <a:off x="6579809" y="2468986"/>
-            <a:ext cx="0" cy="408900"/>
-          </a:xfrm>
-          <a:prstGeom prst="straightConnector1">
-            <a:avLst/>
-          </a:prstGeom>
-          <a:noFill/>
-          <a:ln cap="flat" cmpd="sng" w="28575">
-            <a:solidFill>
-              <a:srgbClr val="8E7CC3"/>
-            </a:solidFill>
-            <a:prstDash val="solid"/>
-            <a:round/>
-            <a:headEnd len="med" w="med" type="none"/>
-            <a:tailEnd len="med" w="med" type="triangle"/>
-          </a:ln>
-        </p:spPr>
-      </p:cxnSp>
-      <p:cxnSp>
-        <p:nvCxnSpPr>
-          <p:cNvPr id="195" name="Google Shape;195;p15"/>
-          <p:cNvCxnSpPr/>
-          <p:nvPr/>
-        </p:nvCxnSpPr>
-        <p:spPr>
-          <a:xfrm>
-            <a:off x="5967095" y="2468986"/>
-            <a:ext cx="0" cy="408900"/>
-          </a:xfrm>
-          <a:prstGeom prst="straightConnector1">
-            <a:avLst/>
-          </a:prstGeom>
-          <a:noFill/>
-          <a:ln cap="flat" cmpd="sng" w="28575">
-            <a:solidFill>
-              <a:srgbClr val="8E7CC3"/>
-            </a:solidFill>
-            <a:prstDash val="solid"/>
-            <a:round/>
-            <a:headEnd len="med" w="med" type="none"/>
-            <a:tailEnd len="med" w="med" type="triangle"/>
-          </a:ln>
-        </p:spPr>
-      </p:cxnSp>
-      <p:cxnSp>
-        <p:nvCxnSpPr>
-          <p:cNvPr id="196" name="Google Shape;196;p15"/>
-          <p:cNvCxnSpPr/>
-          <p:nvPr/>
-        </p:nvCxnSpPr>
-        <p:spPr>
-          <a:xfrm>
-            <a:off x="6427413" y="1942890"/>
-            <a:ext cx="0" cy="605400"/>
-          </a:xfrm>
-          <a:prstGeom prst="straightConnector1">
-            <a:avLst/>
-          </a:prstGeom>
-          <a:noFill/>
-          <a:ln cap="flat" cmpd="sng" w="19050">
-            <a:solidFill>
-              <a:schemeClr val="accent4"/>
-            </a:solidFill>
-            <a:prstDash val="dash"/>
-            <a:round/>
-            <a:headEnd len="med" w="med" type="none"/>
-            <a:tailEnd len="med" w="med" type="triangle"/>
-          </a:ln>
-        </p:spPr>
-      </p:cxnSp>
-      <p:sp>
-        <p:nvSpPr>
-          <p:cNvPr id="197" name="Google Shape;197;p15"/>
-          <p:cNvSpPr txBox="1"/>
-          <p:nvPr/>
-        </p:nvSpPr>
-        <p:spPr>
-          <a:xfrm>
-            <a:off x="5974113" y="1608913"/>
-            <a:ext cx="906600" cy="312600"/>
-          </a:xfrm>
-          <a:prstGeom prst="rect">
-            <a:avLst/>
-          </a:prstGeom>
-          <a:noFill/>
-          <a:ln>
-            <a:noFill/>
-          </a:ln>
-        </p:spPr>
-        <p:txBody>
-          <a:bodyPr anchorCtr="0" anchor="b" bIns="91425" lIns="91425" spcFirstLastPara="1" rIns="91425" wrap="square" tIns="91425">
-            <a:noAutofit/>
-          </a:bodyPr>
-          <a:lstStyle/>
-          <a:p>
-            <a:pPr indent="0" lvl="0" marL="0" rtl="0" algn="ctr">
-              <a:spcBef>
-                <a:spcPts val="0"/>
-              </a:spcBef>
-              <a:spcAft>
-                <a:spcPts val="0"/>
-              </a:spcAft>
-              <a:buNone/>
-            </a:pPr>
-            <a:r>
-              <a:rPr lang="en" sz="900">
-                <a:solidFill>
-                  <a:schemeClr val="dk2"/>
-                </a:solidFill>
-              </a:rPr>
-              <a:t>Control</a:t>
-            </a:r>
-            <a:br>
-              <a:rPr lang="en" sz="900">
-                <a:solidFill>
-                  <a:schemeClr val="dk2"/>
-                </a:solidFill>
-              </a:rPr>
-            </a:br>
-            <a:r>
-              <a:rPr lang="en" sz="900">
-                <a:solidFill>
-                  <a:schemeClr val="dk2"/>
-                </a:solidFill>
-              </a:rPr>
-              <a:t>Plane</a:t>
-            </a:r>
-            <a:endParaRPr sz="900">
-              <a:solidFill>
-                <a:schemeClr val="dk2"/>
-              </a:solidFill>
-            </a:endParaRPr>
-          </a:p>
-          <a:p>
-            <a:pPr indent="0" lvl="0" marL="0" rtl="0" algn="ctr">
-              <a:spcBef>
-                <a:spcPts val="0"/>
-              </a:spcBef>
-              <a:spcAft>
-                <a:spcPts val="0"/>
-              </a:spcAft>
-              <a:buNone/>
-            </a:pPr>
-            <a:r>
-              <a:rPr lang="en" sz="900">
-                <a:solidFill>
-                  <a:schemeClr val="dk2"/>
-                </a:solidFill>
-              </a:rPr>
-              <a:t>Upgraded</a:t>
-            </a:r>
-            <a:endParaRPr sz="900">
-              <a:solidFill>
-                <a:schemeClr val="dk2"/>
-              </a:solidFill>
-            </a:endParaRPr>
-          </a:p>
-        </p:txBody>
-      </p:sp>
-      <p:cxnSp>
-        <p:nvCxnSpPr>
-          <p:cNvPr id="198" name="Google Shape;198;p15"/>
-          <p:cNvCxnSpPr/>
-          <p:nvPr/>
-        </p:nvCxnSpPr>
-        <p:spPr>
-          <a:xfrm>
-            <a:off x="7553488" y="2468986"/>
-            <a:ext cx="0" cy="408900"/>
-          </a:xfrm>
-          <a:prstGeom prst="straightConnector1">
-            <a:avLst/>
-          </a:prstGeom>
-          <a:noFill/>
-          <a:ln cap="flat" cmpd="sng" w="28575">
-            <a:solidFill>
-              <a:srgbClr val="E06666"/>
-            </a:solidFill>
-            <a:prstDash val="solid"/>
-            <a:round/>
-            <a:headEnd len="med" w="med" type="none"/>
-            <a:tailEnd len="med" w="med" type="triangle"/>
-          </a:ln>
-        </p:spPr>
-      </p:cxnSp>
-      <p:cxnSp>
-        <p:nvCxnSpPr>
-          <p:cNvPr id="199" name="Google Shape;199;p15"/>
-          <p:cNvCxnSpPr/>
-          <p:nvPr/>
-        </p:nvCxnSpPr>
-        <p:spPr>
-          <a:xfrm>
-            <a:off x="6940774" y="2468986"/>
-            <a:ext cx="0" cy="408900"/>
-          </a:xfrm>
-          <a:prstGeom prst="straightConnector1">
-            <a:avLst/>
-          </a:prstGeom>
-          <a:noFill/>
-          <a:ln cap="flat" cmpd="sng" w="28575">
-            <a:solidFill>
-              <a:srgbClr val="E06666"/>
-            </a:solidFill>
-            <a:prstDash val="solid"/>
-            <a:round/>
-            <a:headEnd len="med" w="med" type="none"/>
-            <a:tailEnd len="med" w="med" type="triangle"/>
-          </a:ln>
-        </p:spPr>
-      </p:cxnSp>
-      <p:cxnSp>
-        <p:nvCxnSpPr>
-          <p:cNvPr id="200" name="Google Shape;200;p15"/>
-          <p:cNvCxnSpPr/>
-          <p:nvPr/>
-        </p:nvCxnSpPr>
-        <p:spPr>
-          <a:xfrm>
-            <a:off x="7401088" y="1942890"/>
-            <a:ext cx="0" cy="605400"/>
-          </a:xfrm>
-          <a:prstGeom prst="straightConnector1">
-            <a:avLst/>
-          </a:prstGeom>
-          <a:noFill/>
-          <a:ln cap="flat" cmpd="sng" w="19050">
-            <a:solidFill>
-              <a:schemeClr val="accent4"/>
-            </a:solidFill>
-            <a:prstDash val="dash"/>
-            <a:round/>
-            <a:headEnd len="med" w="med" type="none"/>
-            <a:tailEnd len="med" w="med" type="triangle"/>
-          </a:ln>
-        </p:spPr>
-      </p:cxnSp>
-      <p:sp>
-        <p:nvSpPr>
           <p:cNvPr id="201" name="Google Shape;201;p15"/>
-          <p:cNvSpPr txBox="1"/>
-          <p:nvPr/>
-        </p:nvSpPr>
-        <p:spPr>
-          <a:xfrm>
-            <a:off x="6947788" y="1630444"/>
-            <a:ext cx="906600" cy="312600"/>
-          </a:xfrm>
-          <a:prstGeom prst="rect">
-            <a:avLst/>
-          </a:prstGeom>
-          <a:noFill/>
-          <a:ln>
-            <a:noFill/>
-          </a:ln>
-        </p:spPr>
-        <p:txBody>
-          <a:bodyPr anchorCtr="0" anchor="b" bIns="91425" lIns="91425" spcFirstLastPara="1" rIns="91425" wrap="square" tIns="91425">
-            <a:noAutofit/>
-          </a:bodyPr>
-          <a:lstStyle/>
-          <a:p>
-            <a:pPr indent="0" lvl="0" marL="0" rtl="0" algn="ctr">
-              <a:spcBef>
-                <a:spcPts val="0"/>
-              </a:spcBef>
-              <a:spcAft>
-                <a:spcPts val="0"/>
-              </a:spcAft>
-              <a:buClr>
-                <a:schemeClr val="dk1"/>
-              </a:buClr>
-              <a:buSzPts val="1100"/>
-              <a:buFont typeface="Arial"/>
-              <a:buNone/>
-            </a:pPr>
-            <a:r>
-              <a:rPr lang="en" sz="900">
-                <a:solidFill>
-                  <a:schemeClr val="dk2"/>
-                </a:solidFill>
-              </a:rPr>
-              <a:t>Workers</a:t>
-            </a:r>
-            <a:endParaRPr sz="900">
-              <a:solidFill>
-                <a:schemeClr val="dk2"/>
-              </a:solidFill>
-            </a:endParaRPr>
-          </a:p>
-          <a:p>
-            <a:pPr indent="0" lvl="0" marL="0" rtl="0" algn="ctr">
-              <a:spcBef>
-                <a:spcPts val="0"/>
-              </a:spcBef>
-              <a:spcAft>
-                <a:spcPts val="0"/>
-              </a:spcAft>
-              <a:buNone/>
-            </a:pPr>
-            <a:r>
-              <a:rPr lang="en" sz="900">
-                <a:solidFill>
-                  <a:schemeClr val="dk2"/>
-                </a:solidFill>
-              </a:rPr>
-              <a:t>Upgraded</a:t>
-            </a:r>
-            <a:endParaRPr sz="900">
-              <a:solidFill>
-                <a:schemeClr val="dk2"/>
-              </a:solidFill>
-            </a:endParaRPr>
-          </a:p>
-        </p:txBody>
-      </p:sp>
-      <p:sp>
-        <p:nvSpPr>
-          <p:cNvPr id="202" name="Google Shape;202;p15"/>
-          <p:cNvSpPr txBox="1"/>
-          <p:nvPr/>
-        </p:nvSpPr>
-        <p:spPr>
-          <a:xfrm>
-            <a:off x="5343722" y="3057878"/>
-            <a:ext cx="777000" cy="476700"/>
-          </a:xfrm>
-          <a:prstGeom prst="rect">
-            <a:avLst/>
-          </a:prstGeom>
-          <a:noFill/>
-          <a:ln>
-            <a:noFill/>
-          </a:ln>
-        </p:spPr>
-        <p:txBody>
-          <a:bodyPr anchorCtr="0" anchor="t" bIns="91425" lIns="91425" spcFirstLastPara="1" rIns="91425" wrap="square" tIns="91425">
-            <a:noAutofit/>
-          </a:bodyPr>
-          <a:lstStyle/>
-          <a:p>
-            <a:pPr indent="0" lvl="0" marL="0" rtl="0" algn="ctr">
-              <a:spcBef>
-                <a:spcPts val="0"/>
-              </a:spcBef>
-              <a:spcAft>
-                <a:spcPts val="0"/>
-              </a:spcAft>
-              <a:buNone/>
-            </a:pPr>
-            <a:r>
-              <a:rPr lang="en" sz="900">
-                <a:solidFill>
-                  <a:schemeClr val="dk2"/>
-                </a:solidFill>
-              </a:rPr>
-              <a:t>After</a:t>
-            </a:r>
-            <a:br>
-              <a:rPr lang="en" sz="900">
-                <a:solidFill>
-                  <a:schemeClr val="dk2"/>
-                </a:solidFill>
-              </a:rPr>
-            </a:br>
-            <a:r>
-              <a:rPr lang="en" sz="900">
-                <a:solidFill>
-                  <a:schemeClr val="dk2"/>
-                </a:solidFill>
-              </a:rPr>
-              <a:t>Workers</a:t>
-            </a:r>
-            <a:br>
-              <a:rPr lang="en" sz="900">
-                <a:solidFill>
-                  <a:schemeClr val="dk2"/>
-                </a:solidFill>
-              </a:rPr>
-            </a:br>
-            <a:r>
-              <a:rPr lang="en" sz="900">
-                <a:solidFill>
-                  <a:schemeClr val="dk2"/>
-                </a:solidFill>
-              </a:rPr>
-              <a:t>Upgrade</a:t>
-            </a:r>
-            <a:endParaRPr sz="900">
-              <a:solidFill>
-                <a:schemeClr val="dk2"/>
-              </a:solidFill>
-            </a:endParaRPr>
-          </a:p>
-        </p:txBody>
-      </p:sp>
-      <p:sp>
-        <p:nvSpPr>
-          <p:cNvPr id="203" name="Google Shape;203;p15"/>
-          <p:cNvSpPr txBox="1"/>
-          <p:nvPr/>
-        </p:nvSpPr>
-        <p:spPr>
-          <a:xfrm>
-            <a:off x="4576063" y="3057878"/>
-            <a:ext cx="1086900" cy="476700"/>
-          </a:xfrm>
-          <a:prstGeom prst="rect">
-            <a:avLst/>
-          </a:prstGeom>
-          <a:noFill/>
-          <a:ln>
-            <a:noFill/>
-          </a:ln>
-        </p:spPr>
-        <p:txBody>
-          <a:bodyPr anchorCtr="0" anchor="t" bIns="91425" lIns="91425" spcFirstLastPara="1" rIns="91425" wrap="square" tIns="91425">
-            <a:noAutofit/>
-          </a:bodyPr>
-          <a:lstStyle/>
-          <a:p>
-            <a:pPr indent="0" lvl="0" marL="0" rtl="0" algn="ctr">
-              <a:spcBef>
-                <a:spcPts val="0"/>
-              </a:spcBef>
-              <a:spcAft>
-                <a:spcPts val="0"/>
-              </a:spcAft>
-              <a:buNone/>
-            </a:pPr>
-            <a:r>
-              <a:rPr lang="en" sz="900">
-                <a:solidFill>
-                  <a:schemeClr val="dk2"/>
-                </a:solidFill>
-              </a:rPr>
-              <a:t>Before</a:t>
-            </a:r>
-            <a:br>
-              <a:rPr lang="en" sz="900">
-                <a:solidFill>
-                  <a:schemeClr val="dk2"/>
-                </a:solidFill>
-              </a:rPr>
-            </a:br>
-            <a:r>
-              <a:rPr lang="en" sz="900">
-                <a:solidFill>
-                  <a:schemeClr val="dk2"/>
-                </a:solidFill>
-              </a:rPr>
-              <a:t>Workers</a:t>
-            </a:r>
-            <a:br>
-              <a:rPr lang="en" sz="900">
-                <a:solidFill>
-                  <a:schemeClr val="dk2"/>
-                </a:solidFill>
-              </a:rPr>
-            </a:br>
-            <a:r>
-              <a:rPr lang="en" sz="900">
-                <a:solidFill>
-                  <a:schemeClr val="dk2"/>
-                </a:solidFill>
-              </a:rPr>
-              <a:t>Upgrade</a:t>
-            </a:r>
-            <a:endParaRPr sz="900">
-              <a:solidFill>
-                <a:schemeClr val="dk2"/>
-              </a:solidFill>
-            </a:endParaRPr>
-          </a:p>
-        </p:txBody>
-      </p:sp>
-      <p:sp>
-        <p:nvSpPr>
-          <p:cNvPr id="204" name="Google Shape;204;p15"/>
-          <p:cNvSpPr txBox="1"/>
-          <p:nvPr/>
-        </p:nvSpPr>
-        <p:spPr>
-          <a:xfrm>
-            <a:off x="4096625" y="2682402"/>
-            <a:ext cx="777000" cy="285900"/>
-          </a:xfrm>
-          <a:prstGeom prst="rect">
-            <a:avLst/>
-          </a:prstGeom>
-          <a:noFill/>
-          <a:ln>
-            <a:noFill/>
-          </a:ln>
-        </p:spPr>
-        <p:txBody>
-          <a:bodyPr anchorCtr="0" anchor="t" bIns="91425" lIns="91425" spcFirstLastPara="1" rIns="91425" wrap="square" tIns="91425">
-            <a:noAutofit/>
-          </a:bodyPr>
-          <a:lstStyle/>
-          <a:p>
-            <a:pPr indent="0" lvl="0" marL="0" rtl="0" algn="ctr">
-              <a:spcBef>
-                <a:spcPts val="0"/>
-              </a:spcBef>
-              <a:spcAft>
-                <a:spcPts val="0"/>
-              </a:spcAft>
-              <a:buNone/>
-            </a:pPr>
-            <a:r>
-              <a:rPr lang="en" sz="800">
-                <a:solidFill>
-                  <a:schemeClr val="dk2"/>
-                </a:solidFill>
-              </a:rPr>
-              <a:t>(same)</a:t>
-            </a:r>
-            <a:endParaRPr sz="800">
-              <a:solidFill>
-                <a:schemeClr val="dk2"/>
-              </a:solidFill>
-            </a:endParaRPr>
-          </a:p>
-        </p:txBody>
-      </p:sp>
-      <p:sp>
-        <p:nvSpPr>
-          <p:cNvPr id="205" name="Google Shape;205;p15"/>
-          <p:cNvSpPr txBox="1"/>
-          <p:nvPr/>
-        </p:nvSpPr>
-        <p:spPr>
-          <a:xfrm>
-            <a:off x="5884850" y="2682402"/>
-            <a:ext cx="777000" cy="285900"/>
-          </a:xfrm>
-          <a:prstGeom prst="rect">
-            <a:avLst/>
-          </a:prstGeom>
-          <a:noFill/>
-          <a:ln>
-            <a:noFill/>
-          </a:ln>
-        </p:spPr>
-        <p:txBody>
-          <a:bodyPr anchorCtr="0" anchor="t" bIns="91425" lIns="91425" spcFirstLastPara="1" rIns="91425" wrap="square" tIns="91425">
-            <a:noAutofit/>
-          </a:bodyPr>
-          <a:lstStyle/>
-          <a:p>
-            <a:pPr indent="0" lvl="0" marL="0" rtl="0" algn="ctr">
-              <a:spcBef>
-                <a:spcPts val="0"/>
-              </a:spcBef>
-              <a:spcAft>
-                <a:spcPts val="0"/>
-              </a:spcAft>
-              <a:buNone/>
-            </a:pPr>
-            <a:r>
-              <a:rPr lang="en" sz="800">
-                <a:solidFill>
-                  <a:schemeClr val="dk2"/>
-                </a:solidFill>
-              </a:rPr>
-              <a:t>(same)</a:t>
-            </a:r>
-            <a:endParaRPr sz="800">
-              <a:solidFill>
-                <a:schemeClr val="dk2"/>
-              </a:solidFill>
-            </a:endParaRPr>
-          </a:p>
-        </p:txBody>
-      </p:sp>
-      <p:sp>
-        <p:nvSpPr>
-          <p:cNvPr id="206" name="Google Shape;206;p15"/>
-          <p:cNvSpPr txBox="1"/>
-          <p:nvPr/>
-        </p:nvSpPr>
-        <p:spPr>
-          <a:xfrm>
-            <a:off x="6858600" y="2682402"/>
-            <a:ext cx="777000" cy="285900"/>
-          </a:xfrm>
-          <a:prstGeom prst="rect">
-            <a:avLst/>
-          </a:prstGeom>
-          <a:noFill/>
-          <a:ln>
-            <a:noFill/>
-          </a:ln>
-        </p:spPr>
-        <p:txBody>
-          <a:bodyPr anchorCtr="0" anchor="t" bIns="91425" lIns="91425" spcFirstLastPara="1" rIns="91425" wrap="square" tIns="91425">
-            <a:noAutofit/>
-          </a:bodyPr>
-          <a:lstStyle/>
-          <a:p>
-            <a:pPr indent="0" lvl="0" marL="0" rtl="0" algn="ctr">
-              <a:spcBef>
-                <a:spcPts val="0"/>
-              </a:spcBef>
-              <a:spcAft>
-                <a:spcPts val="0"/>
-              </a:spcAft>
-              <a:buNone/>
-            </a:pPr>
-            <a:r>
-              <a:rPr lang="en" sz="800">
-                <a:solidFill>
-                  <a:schemeClr val="dk2"/>
-                </a:solidFill>
-              </a:rPr>
-              <a:t>(same)</a:t>
-            </a:r>
-            <a:endParaRPr sz="800">
-              <a:solidFill>
-                <a:schemeClr val="dk2"/>
-              </a:solidFill>
-            </a:endParaRPr>
-          </a:p>
-        </p:txBody>
-      </p:sp>
-      <p:sp>
-        <p:nvSpPr>
-          <p:cNvPr id="207" name="Google Shape;207;p15"/>
           <p:cNvSpPr txBox="1"/>
           <p:nvPr/>
         </p:nvSpPr>
@@ -13444,7 +13096,7 @@
       </p:sp>
       <p:sp>
         <p:nvSpPr>
-          <p:cNvPr id="208" name="Google Shape;208;p15"/>
+          <p:cNvPr id="202" name="Google Shape;202;p15"/>
           <p:cNvSpPr txBox="1"/>
           <p:nvPr/>
         </p:nvSpPr>
@@ -13549,6 +13201,285 @@
 </file>
 
 <file path=ppt/theme/theme1.xml><?xml version="1.0" encoding="utf-8"?>
+<a:theme xmlns:a="http://schemas.openxmlformats.org/drawingml/2006/main" xmlns:r="http://schemas.openxmlformats.org/officeDocument/2006/relationships" name="Simple Light">
+  <a:themeElements>
+    <a:clrScheme name="Simple Light">
+      <a:dk1>
+        <a:srgbClr val="000000"/>
+      </a:dk1>
+      <a:lt1>
+        <a:srgbClr val="FFFFFF"/>
+      </a:lt1>
+      <a:dk2>
+        <a:srgbClr val="595959"/>
+      </a:dk2>
+      <a:lt2>
+        <a:srgbClr val="EEEEEE"/>
+      </a:lt2>
+      <a:accent1>
+        <a:srgbClr val="4285F4"/>
+      </a:accent1>
+      <a:accent2>
+        <a:srgbClr val="212121"/>
+      </a:accent2>
+      <a:accent3>
+        <a:srgbClr val="78909C"/>
+      </a:accent3>
+      <a:accent4>
+        <a:srgbClr val="FFAB40"/>
+      </a:accent4>
+      <a:accent5>
+        <a:srgbClr val="0097A7"/>
+      </a:accent5>
+      <a:accent6>
+        <a:srgbClr val="EEFF41"/>
+      </a:accent6>
+      <a:hlink>
+        <a:srgbClr val="0097A7"/>
+      </a:hlink>
+      <a:folHlink>
+        <a:srgbClr val="0097A7"/>
+      </a:folHlink>
+    </a:clrScheme>
+    <a:fontScheme name="Office">
+      <a:majorFont>
+        <a:latin typeface="Arial"/>
+        <a:ea typeface=""/>
+        <a:cs typeface=""/>
+        <a:font script="Jpan" typeface="ＭＳ Ｐゴシック"/>
+        <a:font script="Hang" typeface="맑은 고딕"/>
+        <a:font script="Hans" typeface="宋体"/>
+        <a:font script="Hant" typeface="新細明體"/>
+        <a:font script="Arab" typeface="Times New Roman"/>
+        <a:font script="Hebr" typeface="Times New Roman"/>
+        <a:font script="Thai" typeface="Angsana New"/>
+        <a:font script="Ethi" typeface="Nyala"/>
+        <a:font script="Beng" typeface="Vrinda"/>
+        <a:font script="Gujr" typeface="Shruti"/>
+        <a:font script="Khmr" typeface="MoolBoran"/>
+        <a:font script="Knda" typeface="Tunga"/>
+        <a:font script="Guru" typeface="Raavi"/>
+        <a:font script="Cans" typeface="Euphemia"/>
+        <a:font script="Cher" typeface="Plantagenet Cherokee"/>
+        <a:font script="Yiii" typeface="Microsoft Yi Baiti"/>
+        <a:font script="Tibt" typeface="Microsoft Himalaya"/>
+        <a:font script="Thaa" typeface="MV Boli"/>
+        <a:font script="Deva" typeface="Mangal"/>
+        <a:font script="Telu" typeface="Gautami"/>
+        <a:font script="Taml" typeface="Latha"/>
+        <a:font script="Syrc" typeface="Estrangelo Edessa"/>
+        <a:font script="Orya" typeface="Kalinga"/>
+        <a:font script="Mlym" typeface="Kartika"/>
+        <a:font script="Laoo" typeface="DokChampa"/>
+        <a:font script="Sinh" typeface="Iskoola Pota"/>
+        <a:font script="Mong" typeface="Mongolian Baiti"/>
+        <a:font script="Viet" typeface="Times New Roman"/>
+        <a:font script="Uigh" typeface="Microsoft Uighur"/>
+        <a:font script="Geor" typeface="Sylfaen"/>
+      </a:majorFont>
+      <a:minorFont>
+        <a:latin typeface="Arial"/>
+        <a:ea typeface=""/>
+        <a:cs typeface=""/>
+        <a:font script="Jpan" typeface="ＭＳ Ｐゴシック"/>
+        <a:font script="Hang" typeface="맑은 고딕"/>
+        <a:font script="Hans" typeface="宋体"/>
+        <a:font script="Hant" typeface="新細明體"/>
+        <a:font script="Arab" typeface="Arial"/>
+        <a:font script="Hebr" typeface="Arial"/>
+        <a:font script="Thai" typeface="Cordia New"/>
+        <a:font script="Ethi" typeface="Nyala"/>
+        <a:font script="Beng" typeface="Vrinda"/>
+        <a:font script="Gujr" typeface="Shruti"/>
+        <a:font script="Khmr" typeface="DaunPenh"/>
+        <a:font script="Knda" typeface="Tunga"/>
+        <a:font script="Guru" typeface="Raavi"/>
+        <a:font script="Cans" typeface="Euphemia"/>
+        <a:font script="Cher" typeface="Plantagenet Cherokee"/>
+        <a:font script="Yiii" typeface="Microsoft Yi Baiti"/>
+        <a:font script="Tibt" typeface="Microsoft Himalaya"/>
+        <a:font script="Thaa" typeface="MV Boli"/>
+        <a:font script="Deva" typeface="Mangal"/>
+        <a:font script="Telu" typeface="Gautami"/>
+        <a:font script="Taml" typeface="Latha"/>
+        <a:font script="Syrc" typeface="Estrangelo Edessa"/>
+        <a:font script="Orya" typeface="Kalinga"/>
+        <a:font script="Mlym" typeface="Kartika"/>
+        <a:font script="Laoo" typeface="DokChampa"/>
+        <a:font script="Sinh" typeface="Iskoola Pota"/>
+        <a:font script="Mong" typeface="Mongolian Baiti"/>
+        <a:font script="Viet" typeface="Arial"/>
+        <a:font script="Uigh" typeface="Microsoft Uighur"/>
+        <a:font script="Geor" typeface="Sylfaen"/>
+      </a:minorFont>
+    </a:fontScheme>
+    <a:fmtScheme name="Office">
+      <a:fillStyleLst>
+        <a:solidFill>
+          <a:schemeClr val="phClr"/>
+        </a:solidFill>
+        <a:gradFill rotWithShape="1">
+          <a:gsLst>
+            <a:gs pos="0">
+              <a:schemeClr val="phClr">
+                <a:tint val="50000"/>
+                <a:satMod val="300000"/>
+              </a:schemeClr>
+            </a:gs>
+            <a:gs pos="35000">
+              <a:schemeClr val="phClr">
+                <a:tint val="37000"/>
+                <a:satMod val="300000"/>
+              </a:schemeClr>
+            </a:gs>
+            <a:gs pos="100000">
+              <a:schemeClr val="phClr">
+                <a:tint val="15000"/>
+                <a:satMod val="350000"/>
+              </a:schemeClr>
+            </a:gs>
+          </a:gsLst>
+          <a:lin ang="16200000" scaled="1"/>
+        </a:gradFill>
+        <a:gradFill rotWithShape="1">
+          <a:gsLst>
+            <a:gs pos="0">
+              <a:schemeClr val="phClr">
+                <a:tint val="100000"/>
+                <a:shade val="100000"/>
+                <a:satMod val="130000"/>
+              </a:schemeClr>
+            </a:gs>
+            <a:gs pos="100000">
+              <a:schemeClr val="phClr">
+                <a:tint val="50000"/>
+                <a:shade val="100000"/>
+                <a:satMod val="350000"/>
+              </a:schemeClr>
+            </a:gs>
+          </a:gsLst>
+          <a:lin ang="16200000" scaled="0"/>
+        </a:gradFill>
+      </a:fillStyleLst>
+      <a:lnStyleLst>
+        <a:ln w="9525" cap="flat" cmpd="sng" algn="ctr">
+          <a:solidFill>
+            <a:schemeClr val="phClr">
+              <a:shade val="95000"/>
+              <a:satMod val="105000"/>
+            </a:schemeClr>
+          </a:solidFill>
+          <a:prstDash val="solid"/>
+        </a:ln>
+        <a:ln w="25400" cap="flat" cmpd="sng" algn="ctr">
+          <a:solidFill>
+            <a:schemeClr val="phClr"/>
+          </a:solidFill>
+          <a:prstDash val="solid"/>
+        </a:ln>
+        <a:ln w="38100" cap="flat" cmpd="sng" algn="ctr">
+          <a:solidFill>
+            <a:schemeClr val="phClr"/>
+          </a:solidFill>
+          <a:prstDash val="solid"/>
+        </a:ln>
+      </a:lnStyleLst>
+      <a:effectStyleLst>
+        <a:effectStyle>
+          <a:effectLst>
+            <a:outerShdw blurRad="40000" dist="20000" dir="5400000" rotWithShape="0">
+              <a:srgbClr val="000000">
+                <a:alpha val="38000"/>
+              </a:srgbClr>
+            </a:outerShdw>
+          </a:effectLst>
+        </a:effectStyle>
+        <a:effectStyle>
+          <a:effectLst>
+            <a:outerShdw blurRad="40000" dist="23000" dir="5400000" rotWithShape="0">
+              <a:srgbClr val="000000">
+                <a:alpha val="35000"/>
+              </a:srgbClr>
+            </a:outerShdw>
+          </a:effectLst>
+        </a:effectStyle>
+        <a:effectStyle>
+          <a:effectLst>
+            <a:outerShdw blurRad="40000" dist="23000" dir="5400000" rotWithShape="0">
+              <a:srgbClr val="000000">
+                <a:alpha val="35000"/>
+              </a:srgbClr>
+            </a:outerShdw>
+          </a:effectLst>
+          <a:scene3d>
+            <a:camera prst="orthographicFront">
+              <a:rot lat="0" lon="0" rev="0"/>
+            </a:camera>
+            <a:lightRig rig="threePt" dir="t">
+              <a:rot lat="0" lon="0" rev="1200000"/>
+            </a:lightRig>
+          </a:scene3d>
+          <a:sp3d>
+            <a:bevelT w="63500" h="25400"/>
+          </a:sp3d>
+        </a:effectStyle>
+      </a:effectStyleLst>
+      <a:bgFillStyleLst>
+        <a:solidFill>
+          <a:schemeClr val="phClr"/>
+        </a:solidFill>
+        <a:gradFill rotWithShape="1">
+          <a:gsLst>
+            <a:gs pos="0">
+              <a:schemeClr val="phClr">
+                <a:tint val="40000"/>
+                <a:satMod val="350000"/>
+              </a:schemeClr>
+            </a:gs>
+            <a:gs pos="40000">
+              <a:schemeClr val="phClr">
+                <a:tint val="45000"/>
+                <a:shade val="99000"/>
+                <a:satMod val="350000"/>
+              </a:schemeClr>
+            </a:gs>
+            <a:gs pos="100000">
+              <a:schemeClr val="phClr">
+                <a:shade val="20000"/>
+                <a:satMod val="255000"/>
+              </a:schemeClr>
+            </a:gs>
+          </a:gsLst>
+          <a:path path="circle">
+            <a:fillToRect l="50000" t="-80000" r="50000" b="180000"/>
+          </a:path>
+        </a:gradFill>
+        <a:gradFill rotWithShape="1">
+          <a:gsLst>
+            <a:gs pos="0">
+              <a:schemeClr val="phClr">
+                <a:tint val="80000"/>
+                <a:satMod val="300000"/>
+              </a:schemeClr>
+            </a:gs>
+            <a:gs pos="100000">
+              <a:schemeClr val="phClr">
+                <a:shade val="30000"/>
+                <a:satMod val="200000"/>
+              </a:schemeClr>
+            </a:gs>
+          </a:gsLst>
+          <a:path path="circle">
+            <a:fillToRect l="50000" t="50000" r="50000" b="50000"/>
+          </a:path>
+        </a:gradFill>
+      </a:bgFillStyleLst>
+    </a:fmtScheme>
+  </a:themeElements>
+</a:theme>
+</file>
+
+<file path=ppt/theme/theme2.xml><?xml version="1.0" encoding="utf-8"?>
 <a:theme xmlns:a="http://schemas.openxmlformats.org/drawingml/2006/main" xmlns:r="http://schemas.openxmlformats.org/officeDocument/2006/relationships">
   <a:themeElements>
     <a:clrScheme name="Default">
@@ -13825,283 +13756,4 @@
     </a:fmtScheme>
   </a:themeElements>
 </a:theme>
-</file>
-
-<file path=ppt/theme/theme2.xml><?xml version="1.0" encoding="utf-8"?>
-<a:theme xmlns:a="http://schemas.openxmlformats.org/drawingml/2006/main" xmlns:r="http://schemas.openxmlformats.org/officeDocument/2006/relationships" name="Simple Light">
-  <a:themeElements>
-    <a:clrScheme name="Simple Light">
-      <a:dk1>
-        <a:srgbClr val="000000"/>
-      </a:dk1>
-      <a:lt1>
-        <a:srgbClr val="FFFFFF"/>
-      </a:lt1>
-      <a:dk2>
-        <a:srgbClr val="595959"/>
-      </a:dk2>
-      <a:lt2>
-        <a:srgbClr val="EEEEEE"/>
-      </a:lt2>
-      <a:accent1>
-        <a:srgbClr val="4285F4"/>
-      </a:accent1>
-      <a:accent2>
-        <a:srgbClr val="212121"/>
-      </a:accent2>
-      <a:accent3>
-        <a:srgbClr val="78909C"/>
-      </a:accent3>
-      <a:accent4>
-        <a:srgbClr val="FFAB40"/>
-      </a:accent4>
-      <a:accent5>
-        <a:srgbClr val="0097A7"/>
-      </a:accent5>
-      <a:accent6>
-        <a:srgbClr val="EEFF41"/>
-      </a:accent6>
-      <a:hlink>
-        <a:srgbClr val="0097A7"/>
-      </a:hlink>
-      <a:folHlink>
-        <a:srgbClr val="0097A7"/>
-      </a:folHlink>
-    </a:clrScheme>
-    <a:fontScheme name="Office">
-      <a:majorFont>
-        <a:latin typeface="Arial"/>
-        <a:ea typeface=""/>
-        <a:cs typeface=""/>
-        <a:font script="Jpan" typeface="ＭＳ Ｐゴシック"/>
-        <a:font script="Hang" typeface="맑은 고딕"/>
-        <a:font script="Hans" typeface="宋体"/>
-        <a:font script="Hant" typeface="新細明體"/>
-        <a:font script="Arab" typeface="Times New Roman"/>
-        <a:font script="Hebr" typeface="Times New Roman"/>
-        <a:font script="Thai" typeface="Angsana New"/>
-        <a:font script="Ethi" typeface="Nyala"/>
-        <a:font script="Beng" typeface="Vrinda"/>
-        <a:font script="Gujr" typeface="Shruti"/>
-        <a:font script="Khmr" typeface="MoolBoran"/>
-        <a:font script="Knda" typeface="Tunga"/>
-        <a:font script="Guru" typeface="Raavi"/>
-        <a:font script="Cans" typeface="Euphemia"/>
-        <a:font script="Cher" typeface="Plantagenet Cherokee"/>
-        <a:font script="Yiii" typeface="Microsoft Yi Baiti"/>
-        <a:font script="Tibt" typeface="Microsoft Himalaya"/>
-        <a:font script="Thaa" typeface="MV Boli"/>
-        <a:font script="Deva" typeface="Mangal"/>
-        <a:font script="Telu" typeface="Gautami"/>
-        <a:font script="Taml" typeface="Latha"/>
-        <a:font script="Syrc" typeface="Estrangelo Edessa"/>
-        <a:font script="Orya" typeface="Kalinga"/>
-        <a:font script="Mlym" typeface="Kartika"/>
-        <a:font script="Laoo" typeface="DokChampa"/>
-        <a:font script="Sinh" typeface="Iskoola Pota"/>
-        <a:font script="Mong" typeface="Mongolian Baiti"/>
-        <a:font script="Viet" typeface="Times New Roman"/>
-        <a:font script="Uigh" typeface="Microsoft Uighur"/>
-        <a:font script="Geor" typeface="Sylfaen"/>
-      </a:majorFont>
-      <a:minorFont>
-        <a:latin typeface="Arial"/>
-        <a:ea typeface=""/>
-        <a:cs typeface=""/>
-        <a:font script="Jpan" typeface="ＭＳ Ｐゴシック"/>
-        <a:font script="Hang" typeface="맑은 고딕"/>
-        <a:font script="Hans" typeface="宋体"/>
-        <a:font script="Hant" typeface="新細明體"/>
-        <a:font script="Arab" typeface="Arial"/>
-        <a:font script="Hebr" typeface="Arial"/>
-        <a:font script="Thai" typeface="Cordia New"/>
-        <a:font script="Ethi" typeface="Nyala"/>
-        <a:font script="Beng" typeface="Vrinda"/>
-        <a:font script="Gujr" typeface="Shruti"/>
-        <a:font script="Khmr" typeface="DaunPenh"/>
-        <a:font script="Knda" typeface="Tunga"/>
-        <a:font script="Guru" typeface="Raavi"/>
-        <a:font script="Cans" typeface="Euphemia"/>
-        <a:font script="Cher" typeface="Plantagenet Cherokee"/>
-        <a:font script="Yiii" typeface="Microsoft Yi Baiti"/>
-        <a:font script="Tibt" typeface="Microsoft Himalaya"/>
-        <a:font script="Thaa" typeface="MV Boli"/>
-        <a:font script="Deva" typeface="Mangal"/>
-        <a:font script="Telu" typeface="Gautami"/>
-        <a:font script="Taml" typeface="Latha"/>
-        <a:font script="Syrc" typeface="Estrangelo Edessa"/>
-        <a:font script="Orya" typeface="Kalinga"/>
-        <a:font script="Mlym" typeface="Kartika"/>
-        <a:font script="Laoo" typeface="DokChampa"/>
-        <a:font script="Sinh" typeface="Iskoola Pota"/>
-        <a:font script="Mong" typeface="Mongolian Baiti"/>
-        <a:font script="Viet" typeface="Arial"/>
-        <a:font script="Uigh" typeface="Microsoft Uighur"/>
-        <a:font script="Geor" typeface="Sylfaen"/>
-      </a:minorFont>
-    </a:fontScheme>
-    <a:fmtScheme name="Office">
-      <a:fillStyleLst>
-        <a:solidFill>
-          <a:schemeClr val="phClr"/>
-        </a:solidFill>
-        <a:gradFill rotWithShape="1">
-          <a:gsLst>
-            <a:gs pos="0">
-              <a:schemeClr val="phClr">
-                <a:tint val="50000"/>
-                <a:satMod val="300000"/>
-              </a:schemeClr>
-            </a:gs>
-            <a:gs pos="35000">
-              <a:schemeClr val="phClr">
-                <a:tint val="37000"/>
-                <a:satMod val="300000"/>
-              </a:schemeClr>
-            </a:gs>
-            <a:gs pos="100000">
-              <a:schemeClr val="phClr">
-                <a:tint val="15000"/>
-                <a:satMod val="350000"/>
-              </a:schemeClr>
-            </a:gs>
-          </a:gsLst>
-          <a:lin ang="16200000" scaled="1"/>
-        </a:gradFill>
-        <a:gradFill rotWithShape="1">
-          <a:gsLst>
-            <a:gs pos="0">
-              <a:schemeClr val="phClr">
-                <a:tint val="100000"/>
-                <a:shade val="100000"/>
-                <a:satMod val="130000"/>
-              </a:schemeClr>
-            </a:gs>
-            <a:gs pos="100000">
-              <a:schemeClr val="phClr">
-                <a:tint val="50000"/>
-                <a:shade val="100000"/>
-                <a:satMod val="350000"/>
-              </a:schemeClr>
-            </a:gs>
-          </a:gsLst>
-          <a:lin ang="16200000" scaled="0"/>
-        </a:gradFill>
-      </a:fillStyleLst>
-      <a:lnStyleLst>
-        <a:ln w="9525" cap="flat" cmpd="sng" algn="ctr">
-          <a:solidFill>
-            <a:schemeClr val="phClr">
-              <a:shade val="95000"/>
-              <a:satMod val="105000"/>
-            </a:schemeClr>
-          </a:solidFill>
-          <a:prstDash val="solid"/>
-        </a:ln>
-        <a:ln w="25400" cap="flat" cmpd="sng" algn="ctr">
-          <a:solidFill>
-            <a:schemeClr val="phClr"/>
-          </a:solidFill>
-          <a:prstDash val="solid"/>
-        </a:ln>
-        <a:ln w="38100" cap="flat" cmpd="sng" algn="ctr">
-          <a:solidFill>
-            <a:schemeClr val="phClr"/>
-          </a:solidFill>
-          <a:prstDash val="solid"/>
-        </a:ln>
-      </a:lnStyleLst>
-      <a:effectStyleLst>
-        <a:effectStyle>
-          <a:effectLst>
-            <a:outerShdw blurRad="40000" dist="20000" dir="5400000" rotWithShape="0">
-              <a:srgbClr val="000000">
-                <a:alpha val="38000"/>
-              </a:srgbClr>
-            </a:outerShdw>
-          </a:effectLst>
-        </a:effectStyle>
-        <a:effectStyle>
-          <a:effectLst>
-            <a:outerShdw blurRad="40000" dist="23000" dir="5400000" rotWithShape="0">
-              <a:srgbClr val="000000">
-                <a:alpha val="35000"/>
-              </a:srgbClr>
-            </a:outerShdw>
-          </a:effectLst>
-        </a:effectStyle>
-        <a:effectStyle>
-          <a:effectLst>
-            <a:outerShdw blurRad="40000" dist="23000" dir="5400000" rotWithShape="0">
-              <a:srgbClr val="000000">
-                <a:alpha val="35000"/>
-              </a:srgbClr>
-            </a:outerShdw>
-          </a:effectLst>
-          <a:scene3d>
-            <a:camera prst="orthographicFront">
-              <a:rot lat="0" lon="0" rev="0"/>
-            </a:camera>
-            <a:lightRig rig="threePt" dir="t">
-              <a:rot lat="0" lon="0" rev="1200000"/>
-            </a:lightRig>
-          </a:scene3d>
-          <a:sp3d>
-            <a:bevelT w="63500" h="25400"/>
-          </a:sp3d>
-        </a:effectStyle>
-      </a:effectStyleLst>
-      <a:bgFillStyleLst>
-        <a:solidFill>
-          <a:schemeClr val="phClr"/>
-        </a:solidFill>
-        <a:gradFill rotWithShape="1">
-          <a:gsLst>
-            <a:gs pos="0">
-              <a:schemeClr val="phClr">
-                <a:tint val="40000"/>
-                <a:satMod val="350000"/>
-              </a:schemeClr>
-            </a:gs>
-            <a:gs pos="40000">
-              <a:schemeClr val="phClr">
-                <a:tint val="45000"/>
-                <a:shade val="99000"/>
-                <a:satMod val="350000"/>
-              </a:schemeClr>
-            </a:gs>
-            <a:gs pos="100000">
-              <a:schemeClr val="phClr">
-                <a:shade val="20000"/>
-                <a:satMod val="255000"/>
-              </a:schemeClr>
-            </a:gs>
-          </a:gsLst>
-          <a:path path="circle">
-            <a:fillToRect l="50000" t="-80000" r="50000" b="180000"/>
-          </a:path>
-        </a:gradFill>
-        <a:gradFill rotWithShape="1">
-          <a:gsLst>
-            <a:gs pos="0">
-              <a:schemeClr val="phClr">
-                <a:tint val="80000"/>
-                <a:satMod val="300000"/>
-              </a:schemeClr>
-            </a:gs>
-            <a:gs pos="100000">
-              <a:schemeClr val="phClr">
-                <a:shade val="30000"/>
-                <a:satMod val="200000"/>
-              </a:schemeClr>
-            </a:gs>
-          </a:gsLst>
-          <a:path path="circle">
-            <a:fillToRect l="50000" t="50000" r="50000" b="50000"/>
-          </a:path>
-        </a:gradFill>
-      </a:bgFillStyleLst>
-    </a:fmtScheme>
-  </a:themeElements>
-</a:theme>
 </file>